--- a/doc/diagrams.pptx
+++ b/doc/diagrams.pptx
@@ -2,18 +2,18 @@
 <file path=ppt/presentation.xml><?xml version="1.0" encoding="utf-8"?>
 <p:presentation xmlns:a="http://schemas.openxmlformats.org/drawingml/2006/main" xmlns:r="http://schemas.openxmlformats.org/officeDocument/2006/relationships" xmlns:p="http://schemas.openxmlformats.org/presentationml/2006/main" saveSubsetFonts="1" autoCompressPictures="0">
   <p:sldMasterIdLst>
-    <p:sldMasterId id="2147483672" r:id="rId1"/>
+    <p:sldMasterId id="2147483648" r:id="rId1"/>
   </p:sldMasterIdLst>
   <p:sldIdLst>
-    <p:sldId id="260" r:id="rId2"/>
+    <p:sldId id="256" r:id="rId2"/>
   </p:sldIdLst>
-  <p:sldSz cx="18288000" cy="6858000"/>
+  <p:sldSz cx="12192000" cy="6858000"/>
   <p:notesSz cx="6858000" cy="9144000"/>
   <p:defaultTextStyle>
     <a:defPPr>
       <a:defRPr lang="en-US"/>
     </a:defPPr>
-    <a:lvl1pPr marL="0" algn="l" defTabSz="457200" rtl="0" eaLnBrk="1" latinLnBrk="0" hangingPunct="1">
+    <a:lvl1pPr marL="0" algn="l" defTabSz="914400" rtl="0" eaLnBrk="1" latinLnBrk="0" hangingPunct="1">
       <a:defRPr sz="1800" kern="1200">
         <a:solidFill>
           <a:schemeClr val="tx1"/>
@@ -23,7 +23,7 @@
         <a:cs typeface="+mn-cs"/>
       </a:defRPr>
     </a:lvl1pPr>
-    <a:lvl2pPr marL="457200" algn="l" defTabSz="457200" rtl="0" eaLnBrk="1" latinLnBrk="0" hangingPunct="1">
+    <a:lvl2pPr marL="457200" algn="l" defTabSz="914400" rtl="0" eaLnBrk="1" latinLnBrk="0" hangingPunct="1">
       <a:defRPr sz="1800" kern="1200">
         <a:solidFill>
           <a:schemeClr val="tx1"/>
@@ -33,7 +33,7 @@
         <a:cs typeface="+mn-cs"/>
       </a:defRPr>
     </a:lvl2pPr>
-    <a:lvl3pPr marL="914400" algn="l" defTabSz="457200" rtl="0" eaLnBrk="1" latinLnBrk="0" hangingPunct="1">
+    <a:lvl3pPr marL="914400" algn="l" defTabSz="914400" rtl="0" eaLnBrk="1" latinLnBrk="0" hangingPunct="1">
       <a:defRPr sz="1800" kern="1200">
         <a:solidFill>
           <a:schemeClr val="tx1"/>
@@ -43,7 +43,7 @@
         <a:cs typeface="+mn-cs"/>
       </a:defRPr>
     </a:lvl3pPr>
-    <a:lvl4pPr marL="1371600" algn="l" defTabSz="457200" rtl="0" eaLnBrk="1" latinLnBrk="0" hangingPunct="1">
+    <a:lvl4pPr marL="1371600" algn="l" defTabSz="914400" rtl="0" eaLnBrk="1" latinLnBrk="0" hangingPunct="1">
       <a:defRPr sz="1800" kern="1200">
         <a:solidFill>
           <a:schemeClr val="tx1"/>
@@ -53,7 +53,7 @@
         <a:cs typeface="+mn-cs"/>
       </a:defRPr>
     </a:lvl4pPr>
-    <a:lvl5pPr marL="1828800" algn="l" defTabSz="457200" rtl="0" eaLnBrk="1" latinLnBrk="0" hangingPunct="1">
+    <a:lvl5pPr marL="1828800" algn="l" defTabSz="914400" rtl="0" eaLnBrk="1" latinLnBrk="0" hangingPunct="1">
       <a:defRPr sz="1800" kern="1200">
         <a:solidFill>
           <a:schemeClr val="tx1"/>
@@ -63,7 +63,7 @@
         <a:cs typeface="+mn-cs"/>
       </a:defRPr>
     </a:lvl5pPr>
-    <a:lvl6pPr marL="2286000" algn="l" defTabSz="457200" rtl="0" eaLnBrk="1" latinLnBrk="0" hangingPunct="1">
+    <a:lvl6pPr marL="2286000" algn="l" defTabSz="914400" rtl="0" eaLnBrk="1" latinLnBrk="0" hangingPunct="1">
       <a:defRPr sz="1800" kern="1200">
         <a:solidFill>
           <a:schemeClr val="tx1"/>
@@ -73,7 +73,7 @@
         <a:cs typeface="+mn-cs"/>
       </a:defRPr>
     </a:lvl6pPr>
-    <a:lvl7pPr marL="2743200" algn="l" defTabSz="457200" rtl="0" eaLnBrk="1" latinLnBrk="0" hangingPunct="1">
+    <a:lvl7pPr marL="2743200" algn="l" defTabSz="914400" rtl="0" eaLnBrk="1" latinLnBrk="0" hangingPunct="1">
       <a:defRPr sz="1800" kern="1200">
         <a:solidFill>
           <a:schemeClr val="tx1"/>
@@ -83,7 +83,7 @@
         <a:cs typeface="+mn-cs"/>
       </a:defRPr>
     </a:lvl7pPr>
-    <a:lvl8pPr marL="3200400" algn="l" defTabSz="457200" rtl="0" eaLnBrk="1" latinLnBrk="0" hangingPunct="1">
+    <a:lvl8pPr marL="3200400" algn="l" defTabSz="914400" rtl="0" eaLnBrk="1" latinLnBrk="0" hangingPunct="1">
       <a:defRPr sz="1800" kern="1200">
         <a:solidFill>
           <a:schemeClr val="tx1"/>
@@ -93,7 +93,7 @@
         <a:cs typeface="+mn-cs"/>
       </a:defRPr>
     </a:lvl8pPr>
-    <a:lvl9pPr marL="3657600" algn="l" defTabSz="457200" rtl="0" eaLnBrk="1" latinLnBrk="0" hangingPunct="1">
+    <a:lvl9pPr marL="3657600" algn="l" defTabSz="914400" rtl="0" eaLnBrk="1" latinLnBrk="0" hangingPunct="1">
       <a:defRPr sz="1800" kern="1200">
         <a:solidFill>
           <a:schemeClr val="tx1"/>
@@ -104,11 +104,6 @@
       </a:defRPr>
     </a:lvl9pPr>
   </p:defaultTextStyle>
-  <p:extLst>
-    <p:ext uri="{EFAFB233-063F-42B5-8137-9DF3F51BA10A}">
-      <p15:sldGuideLst xmlns:p15="http://schemas.microsoft.com/office/powerpoint/2012/main"/>
-    </p:ext>
-  </p:extLst>
 </p:presentation>
 </file>
 
@@ -131,7 +126,13 @@
       </p:grpSpPr>
       <p:sp>
         <p:nvSpPr>
-          <p:cNvPr id="2" name="Title 1"/>
+          <p:cNvPr id="2" name="Title 1">
+            <a:extLst>
+              <a:ext uri="{FF2B5EF4-FFF2-40B4-BE49-F238E27FC236}">
+                <a16:creationId xmlns:a16="http://schemas.microsoft.com/office/drawing/2014/main" id="{DB09DE87-0557-CCAE-C4AF-435C592EAD98}"/>
+              </a:ext>
+            </a:extLst>
+          </p:cNvPr>
           <p:cNvSpPr>
             <a:spLocks noGrp="1"/>
           </p:cNvSpPr>
@@ -141,8 +142,8 @@
         </p:nvSpPr>
         <p:spPr>
           <a:xfrm>
-            <a:off x="2286000" y="1122363"/>
-            <a:ext cx="13716000" cy="2387600"/>
+            <a:off x="1524000" y="1122363"/>
+            <a:ext cx="9144000" cy="2387600"/>
           </a:xfrm>
         </p:spPr>
         <p:txBody>
@@ -157,13 +158,18 @@
               <a:rPr lang="en-US"/>
               <a:t>Click to edit Master title style</a:t>
             </a:r>
-            <a:endParaRPr lang="en-US" dirty="0"/>
-          </a:p>
-        </p:txBody>
-      </p:sp>
-      <p:sp>
-        <p:nvSpPr>
-          <p:cNvPr id="3" name="Subtitle 2"/>
+          </a:p>
+        </p:txBody>
+      </p:sp>
+      <p:sp>
+        <p:nvSpPr>
+          <p:cNvPr id="3" name="Subtitle 2">
+            <a:extLst>
+              <a:ext uri="{FF2B5EF4-FFF2-40B4-BE49-F238E27FC236}">
+                <a16:creationId xmlns:a16="http://schemas.microsoft.com/office/drawing/2014/main" id="{56FD608E-985D-1D4E-BC6B-FDDC58F5F27B}"/>
+              </a:ext>
+            </a:extLst>
+          </p:cNvPr>
           <p:cNvSpPr>
             <a:spLocks noGrp="1"/>
           </p:cNvSpPr>
@@ -173,8 +179,8 @@
         </p:nvSpPr>
         <p:spPr>
           <a:xfrm>
-            <a:off x="2286000" y="3602038"/>
-            <a:ext cx="13716000" cy="1655762"/>
+            <a:off x="1524000" y="3602038"/>
+            <a:ext cx="9144000" cy="1655762"/>
           </a:xfrm>
         </p:spPr>
         <p:txBody>
@@ -222,13 +228,18 @@
               <a:rPr lang="en-US"/>
               <a:t>Click to edit Master subtitle style</a:t>
             </a:r>
-            <a:endParaRPr lang="en-US" dirty="0"/>
-          </a:p>
-        </p:txBody>
-      </p:sp>
-      <p:sp>
-        <p:nvSpPr>
-          <p:cNvPr id="4" name="Date Placeholder 3"/>
+          </a:p>
+        </p:txBody>
+      </p:sp>
+      <p:sp>
+        <p:nvSpPr>
+          <p:cNvPr id="4" name="Date Placeholder 3">
+            <a:extLst>
+              <a:ext uri="{FF2B5EF4-FFF2-40B4-BE49-F238E27FC236}">
+                <a16:creationId xmlns:a16="http://schemas.microsoft.com/office/drawing/2014/main" id="{E665EF41-4364-BFEE-1FE0-CBED8666E2D3}"/>
+              </a:ext>
+            </a:extLst>
+          </p:cNvPr>
           <p:cNvSpPr>
             <a:spLocks noGrp="1"/>
           </p:cNvSpPr>
@@ -241,9 +252,9 @@
           <a:bodyPr/>
           <a:lstStyle/>
           <a:p>
-            <a:fld id="{86FB3B22-72C6-954B-B5E8-70C9458D357E}" type="datetimeFigureOut">
+            <a:fld id="{C806AE3E-B6E1-7E4E-85FB-6EA4E4981C55}" type="datetimeFigureOut">
               <a:rPr lang="en-US" smtClean="0"/>
-              <a:t>6/1/22</a:t>
+              <a:t>2/16/23</a:t>
             </a:fld>
             <a:endParaRPr lang="en-US"/>
           </a:p>
@@ -251,7 +262,13 @@
       </p:sp>
       <p:sp>
         <p:nvSpPr>
-          <p:cNvPr id="5" name="Footer Placeholder 4"/>
+          <p:cNvPr id="5" name="Footer Placeholder 4">
+            <a:extLst>
+              <a:ext uri="{FF2B5EF4-FFF2-40B4-BE49-F238E27FC236}">
+                <a16:creationId xmlns:a16="http://schemas.microsoft.com/office/drawing/2014/main" id="{49EF22F6-2826-06D7-6C32-71B917AE82A0}"/>
+              </a:ext>
+            </a:extLst>
+          </p:cNvPr>
           <p:cNvSpPr>
             <a:spLocks noGrp="1"/>
           </p:cNvSpPr>
@@ -270,7 +287,13 @@
       </p:sp>
       <p:sp>
         <p:nvSpPr>
-          <p:cNvPr id="6" name="Slide Number Placeholder 5"/>
+          <p:cNvPr id="6" name="Slide Number Placeholder 5">
+            <a:extLst>
+              <a:ext uri="{FF2B5EF4-FFF2-40B4-BE49-F238E27FC236}">
+                <a16:creationId xmlns:a16="http://schemas.microsoft.com/office/drawing/2014/main" id="{14388889-7436-EE4D-F0B8-9546B3C8EDA8}"/>
+              </a:ext>
+            </a:extLst>
+          </p:cNvPr>
           <p:cNvSpPr>
             <a:spLocks noGrp="1"/>
           </p:cNvSpPr>
@@ -283,7 +306,7 @@
           <a:bodyPr/>
           <a:lstStyle/>
           <a:p>
-            <a:fld id="{E2429211-010C-4D43-8975-2908947DACE0}" type="slidenum">
+            <a:fld id="{871B5909-8224-774D-9B55-EB6EFAC91B82}" type="slidenum">
               <a:rPr lang="en-US" smtClean="0"/>
               <a:t>‹#›</a:t>
             </a:fld>
@@ -294,7 +317,7 @@
     </p:spTree>
     <p:extLst>
       <p:ext uri="{BB962C8B-B14F-4D97-AF65-F5344CB8AC3E}">
-        <p14:creationId xmlns:p14="http://schemas.microsoft.com/office/powerpoint/2010/main" val="1766647200"/>
+        <p14:creationId xmlns:p14="http://schemas.microsoft.com/office/powerpoint/2010/main" val="1907180980"/>
       </p:ext>
     </p:extLst>
   </p:cSld>
@@ -323,7 +346,13 @@
       </p:grpSpPr>
       <p:sp>
         <p:nvSpPr>
-          <p:cNvPr id="2" name="Title 1"/>
+          <p:cNvPr id="2" name="Title 1">
+            <a:extLst>
+              <a:ext uri="{FF2B5EF4-FFF2-40B4-BE49-F238E27FC236}">
+                <a16:creationId xmlns:a16="http://schemas.microsoft.com/office/drawing/2014/main" id="{DA613D67-9FC4-0123-284A-6C6F173E7B5B}"/>
+              </a:ext>
+            </a:extLst>
+          </p:cNvPr>
           <p:cNvSpPr>
             <a:spLocks noGrp="1"/>
           </p:cNvSpPr>
@@ -340,13 +369,18 @@
               <a:rPr lang="en-US"/>
               <a:t>Click to edit Master title style</a:t>
             </a:r>
-            <a:endParaRPr lang="en-US" dirty="0"/>
-          </a:p>
-        </p:txBody>
-      </p:sp>
-      <p:sp>
-        <p:nvSpPr>
-          <p:cNvPr id="3" name="Vertical Text Placeholder 2"/>
+          </a:p>
+        </p:txBody>
+      </p:sp>
+      <p:sp>
+        <p:nvSpPr>
+          <p:cNvPr id="3" name="Vertical Text Placeholder 2">
+            <a:extLst>
+              <a:ext uri="{FF2B5EF4-FFF2-40B4-BE49-F238E27FC236}">
+                <a16:creationId xmlns:a16="http://schemas.microsoft.com/office/drawing/2014/main" id="{334E163A-E126-2F9C-2A2B-47022FC43254}"/>
+              </a:ext>
+            </a:extLst>
+          </p:cNvPr>
           <p:cNvSpPr>
             <a:spLocks noGrp="1"/>
           </p:cNvSpPr>
@@ -392,13 +426,18 @@
               <a:rPr lang="en-US"/>
               <a:t>Fifth level</a:t>
             </a:r>
-            <a:endParaRPr lang="en-US" dirty="0"/>
-          </a:p>
-        </p:txBody>
-      </p:sp>
-      <p:sp>
-        <p:nvSpPr>
-          <p:cNvPr id="4" name="Date Placeholder 3"/>
+          </a:p>
+        </p:txBody>
+      </p:sp>
+      <p:sp>
+        <p:nvSpPr>
+          <p:cNvPr id="4" name="Date Placeholder 3">
+            <a:extLst>
+              <a:ext uri="{FF2B5EF4-FFF2-40B4-BE49-F238E27FC236}">
+                <a16:creationId xmlns:a16="http://schemas.microsoft.com/office/drawing/2014/main" id="{FC27901D-8B26-92AE-9B3F-425B598DCF23}"/>
+              </a:ext>
+            </a:extLst>
+          </p:cNvPr>
           <p:cNvSpPr>
             <a:spLocks noGrp="1"/>
           </p:cNvSpPr>
@@ -411,9 +450,9 @@
           <a:bodyPr/>
           <a:lstStyle/>
           <a:p>
-            <a:fld id="{86FB3B22-72C6-954B-B5E8-70C9458D357E}" type="datetimeFigureOut">
+            <a:fld id="{C806AE3E-B6E1-7E4E-85FB-6EA4E4981C55}" type="datetimeFigureOut">
               <a:rPr lang="en-US" smtClean="0"/>
-              <a:t>6/1/22</a:t>
+              <a:t>2/16/23</a:t>
             </a:fld>
             <a:endParaRPr lang="en-US"/>
           </a:p>
@@ -421,7 +460,13 @@
       </p:sp>
       <p:sp>
         <p:nvSpPr>
-          <p:cNvPr id="5" name="Footer Placeholder 4"/>
+          <p:cNvPr id="5" name="Footer Placeholder 4">
+            <a:extLst>
+              <a:ext uri="{FF2B5EF4-FFF2-40B4-BE49-F238E27FC236}">
+                <a16:creationId xmlns:a16="http://schemas.microsoft.com/office/drawing/2014/main" id="{9DD10589-0677-F699-C46F-0D34C5002277}"/>
+              </a:ext>
+            </a:extLst>
+          </p:cNvPr>
           <p:cNvSpPr>
             <a:spLocks noGrp="1"/>
           </p:cNvSpPr>
@@ -440,7 +485,13 @@
       </p:sp>
       <p:sp>
         <p:nvSpPr>
-          <p:cNvPr id="6" name="Slide Number Placeholder 5"/>
+          <p:cNvPr id="6" name="Slide Number Placeholder 5">
+            <a:extLst>
+              <a:ext uri="{FF2B5EF4-FFF2-40B4-BE49-F238E27FC236}">
+                <a16:creationId xmlns:a16="http://schemas.microsoft.com/office/drawing/2014/main" id="{1D8C24A4-0273-454B-36A5-0887C7F69AB7}"/>
+              </a:ext>
+            </a:extLst>
+          </p:cNvPr>
           <p:cNvSpPr>
             <a:spLocks noGrp="1"/>
           </p:cNvSpPr>
@@ -453,7 +504,7 @@
           <a:bodyPr/>
           <a:lstStyle/>
           <a:p>
-            <a:fld id="{E2429211-010C-4D43-8975-2908947DACE0}" type="slidenum">
+            <a:fld id="{871B5909-8224-774D-9B55-EB6EFAC91B82}" type="slidenum">
               <a:rPr lang="en-US" smtClean="0"/>
               <a:t>‹#›</a:t>
             </a:fld>
@@ -464,7 +515,7 @@
     </p:spTree>
     <p:extLst>
       <p:ext uri="{BB962C8B-B14F-4D97-AF65-F5344CB8AC3E}">
-        <p14:creationId xmlns:p14="http://schemas.microsoft.com/office/powerpoint/2010/main" val="474580663"/>
+        <p14:creationId xmlns:p14="http://schemas.microsoft.com/office/powerpoint/2010/main" val="1795042797"/>
       </p:ext>
     </p:extLst>
   </p:cSld>
@@ -493,7 +544,13 @@
       </p:grpSpPr>
       <p:sp>
         <p:nvSpPr>
-          <p:cNvPr id="2" name="Vertical Title 1"/>
+          <p:cNvPr id="2" name="Vertical Title 1">
+            <a:extLst>
+              <a:ext uri="{FF2B5EF4-FFF2-40B4-BE49-F238E27FC236}">
+                <a16:creationId xmlns:a16="http://schemas.microsoft.com/office/drawing/2014/main" id="{7F33F2F5-0B2E-333F-DC26-BFEB20C12F6C}"/>
+              </a:ext>
+            </a:extLst>
+          </p:cNvPr>
           <p:cNvSpPr>
             <a:spLocks noGrp="1"/>
           </p:cNvSpPr>
@@ -503,8 +560,8 @@
         </p:nvSpPr>
         <p:spPr>
           <a:xfrm>
-            <a:off x="13087350" y="365125"/>
-            <a:ext cx="3943350" cy="5811838"/>
+            <a:off x="8724900" y="365125"/>
+            <a:ext cx="2628900" cy="5811838"/>
           </a:xfrm>
         </p:spPr>
         <p:txBody>
@@ -515,13 +572,18 @@
               <a:rPr lang="en-US"/>
               <a:t>Click to edit Master title style</a:t>
             </a:r>
-            <a:endParaRPr lang="en-US" dirty="0"/>
-          </a:p>
-        </p:txBody>
-      </p:sp>
-      <p:sp>
-        <p:nvSpPr>
-          <p:cNvPr id="3" name="Vertical Text Placeholder 2"/>
+          </a:p>
+        </p:txBody>
+      </p:sp>
+      <p:sp>
+        <p:nvSpPr>
+          <p:cNvPr id="3" name="Vertical Text Placeholder 2">
+            <a:extLst>
+              <a:ext uri="{FF2B5EF4-FFF2-40B4-BE49-F238E27FC236}">
+                <a16:creationId xmlns:a16="http://schemas.microsoft.com/office/drawing/2014/main" id="{BD28AD08-DA64-9485-6568-6C4A2B27BE44}"/>
+              </a:ext>
+            </a:extLst>
+          </p:cNvPr>
           <p:cNvSpPr>
             <a:spLocks noGrp="1"/>
           </p:cNvSpPr>
@@ -531,8 +593,8 @@
         </p:nvSpPr>
         <p:spPr>
           <a:xfrm>
-            <a:off x="1257300" y="365125"/>
-            <a:ext cx="11601450" cy="5811838"/>
+            <a:off x="838200" y="365125"/>
+            <a:ext cx="7734300" cy="5811838"/>
           </a:xfrm>
         </p:spPr>
         <p:txBody>
@@ -572,13 +634,18 @@
               <a:rPr lang="en-US"/>
               <a:t>Fifth level</a:t>
             </a:r>
-            <a:endParaRPr lang="en-US" dirty="0"/>
-          </a:p>
-        </p:txBody>
-      </p:sp>
-      <p:sp>
-        <p:nvSpPr>
-          <p:cNvPr id="4" name="Date Placeholder 3"/>
+          </a:p>
+        </p:txBody>
+      </p:sp>
+      <p:sp>
+        <p:nvSpPr>
+          <p:cNvPr id="4" name="Date Placeholder 3">
+            <a:extLst>
+              <a:ext uri="{FF2B5EF4-FFF2-40B4-BE49-F238E27FC236}">
+                <a16:creationId xmlns:a16="http://schemas.microsoft.com/office/drawing/2014/main" id="{A2CC443C-2255-D394-546D-55A5A9D51F7E}"/>
+              </a:ext>
+            </a:extLst>
+          </p:cNvPr>
           <p:cNvSpPr>
             <a:spLocks noGrp="1"/>
           </p:cNvSpPr>
@@ -591,9 +658,9 @@
           <a:bodyPr/>
           <a:lstStyle/>
           <a:p>
-            <a:fld id="{86FB3B22-72C6-954B-B5E8-70C9458D357E}" type="datetimeFigureOut">
+            <a:fld id="{C806AE3E-B6E1-7E4E-85FB-6EA4E4981C55}" type="datetimeFigureOut">
               <a:rPr lang="en-US" smtClean="0"/>
-              <a:t>6/1/22</a:t>
+              <a:t>2/16/23</a:t>
             </a:fld>
             <a:endParaRPr lang="en-US"/>
           </a:p>
@@ -601,7 +668,13 @@
       </p:sp>
       <p:sp>
         <p:nvSpPr>
-          <p:cNvPr id="5" name="Footer Placeholder 4"/>
+          <p:cNvPr id="5" name="Footer Placeholder 4">
+            <a:extLst>
+              <a:ext uri="{FF2B5EF4-FFF2-40B4-BE49-F238E27FC236}">
+                <a16:creationId xmlns:a16="http://schemas.microsoft.com/office/drawing/2014/main" id="{B6B13070-95F6-B733-E201-33204AC9BD4B}"/>
+              </a:ext>
+            </a:extLst>
+          </p:cNvPr>
           <p:cNvSpPr>
             <a:spLocks noGrp="1"/>
           </p:cNvSpPr>
@@ -620,7 +693,13 @@
       </p:sp>
       <p:sp>
         <p:nvSpPr>
-          <p:cNvPr id="6" name="Slide Number Placeholder 5"/>
+          <p:cNvPr id="6" name="Slide Number Placeholder 5">
+            <a:extLst>
+              <a:ext uri="{FF2B5EF4-FFF2-40B4-BE49-F238E27FC236}">
+                <a16:creationId xmlns:a16="http://schemas.microsoft.com/office/drawing/2014/main" id="{A17162DA-5B85-50E1-0C90-27EED4258329}"/>
+              </a:ext>
+            </a:extLst>
+          </p:cNvPr>
           <p:cNvSpPr>
             <a:spLocks noGrp="1"/>
           </p:cNvSpPr>
@@ -633,7 +712,7 @@
           <a:bodyPr/>
           <a:lstStyle/>
           <a:p>
-            <a:fld id="{E2429211-010C-4D43-8975-2908947DACE0}" type="slidenum">
+            <a:fld id="{871B5909-8224-774D-9B55-EB6EFAC91B82}" type="slidenum">
               <a:rPr lang="en-US" smtClean="0"/>
               <a:t>‹#›</a:t>
             </a:fld>
@@ -644,7 +723,7 @@
     </p:spTree>
     <p:extLst>
       <p:ext uri="{BB962C8B-B14F-4D97-AF65-F5344CB8AC3E}">
-        <p14:creationId xmlns:p14="http://schemas.microsoft.com/office/powerpoint/2010/main" val="2446615734"/>
+        <p14:creationId xmlns:p14="http://schemas.microsoft.com/office/powerpoint/2010/main" val="4082708634"/>
       </p:ext>
     </p:extLst>
   </p:cSld>
@@ -673,7 +752,13 @@
       </p:grpSpPr>
       <p:sp>
         <p:nvSpPr>
-          <p:cNvPr id="2" name="Title 1"/>
+          <p:cNvPr id="2" name="Title 1">
+            <a:extLst>
+              <a:ext uri="{FF2B5EF4-FFF2-40B4-BE49-F238E27FC236}">
+                <a16:creationId xmlns:a16="http://schemas.microsoft.com/office/drawing/2014/main" id="{43C9B3D2-2CB9-FC91-A8D0-47E705365D8B}"/>
+              </a:ext>
+            </a:extLst>
+          </p:cNvPr>
           <p:cNvSpPr>
             <a:spLocks noGrp="1"/>
           </p:cNvSpPr>
@@ -690,13 +775,18 @@
               <a:rPr lang="en-US"/>
               <a:t>Click to edit Master title style</a:t>
             </a:r>
-            <a:endParaRPr lang="en-US" dirty="0"/>
-          </a:p>
-        </p:txBody>
-      </p:sp>
-      <p:sp>
-        <p:nvSpPr>
-          <p:cNvPr id="3" name="Content Placeholder 2"/>
+          </a:p>
+        </p:txBody>
+      </p:sp>
+      <p:sp>
+        <p:nvSpPr>
+          <p:cNvPr id="3" name="Content Placeholder 2">
+            <a:extLst>
+              <a:ext uri="{FF2B5EF4-FFF2-40B4-BE49-F238E27FC236}">
+                <a16:creationId xmlns:a16="http://schemas.microsoft.com/office/drawing/2014/main" id="{2CD8515D-C4AB-A704-6054-5C35E14829E7}"/>
+              </a:ext>
+            </a:extLst>
+          </p:cNvPr>
           <p:cNvSpPr>
             <a:spLocks noGrp="1"/>
           </p:cNvSpPr>
@@ -742,13 +832,18 @@
               <a:rPr lang="en-US"/>
               <a:t>Fifth level</a:t>
             </a:r>
-            <a:endParaRPr lang="en-US" dirty="0"/>
-          </a:p>
-        </p:txBody>
-      </p:sp>
-      <p:sp>
-        <p:nvSpPr>
-          <p:cNvPr id="4" name="Date Placeholder 3"/>
+          </a:p>
+        </p:txBody>
+      </p:sp>
+      <p:sp>
+        <p:nvSpPr>
+          <p:cNvPr id="4" name="Date Placeholder 3">
+            <a:extLst>
+              <a:ext uri="{FF2B5EF4-FFF2-40B4-BE49-F238E27FC236}">
+                <a16:creationId xmlns:a16="http://schemas.microsoft.com/office/drawing/2014/main" id="{E3547E0D-E1FD-1954-1204-C9D0F4C4E31C}"/>
+              </a:ext>
+            </a:extLst>
+          </p:cNvPr>
           <p:cNvSpPr>
             <a:spLocks noGrp="1"/>
           </p:cNvSpPr>
@@ -761,9 +856,9 @@
           <a:bodyPr/>
           <a:lstStyle/>
           <a:p>
-            <a:fld id="{86FB3B22-72C6-954B-B5E8-70C9458D357E}" type="datetimeFigureOut">
+            <a:fld id="{C806AE3E-B6E1-7E4E-85FB-6EA4E4981C55}" type="datetimeFigureOut">
               <a:rPr lang="en-US" smtClean="0"/>
-              <a:t>6/1/22</a:t>
+              <a:t>2/16/23</a:t>
             </a:fld>
             <a:endParaRPr lang="en-US"/>
           </a:p>
@@ -771,7 +866,13 @@
       </p:sp>
       <p:sp>
         <p:nvSpPr>
-          <p:cNvPr id="5" name="Footer Placeholder 4"/>
+          <p:cNvPr id="5" name="Footer Placeholder 4">
+            <a:extLst>
+              <a:ext uri="{FF2B5EF4-FFF2-40B4-BE49-F238E27FC236}">
+                <a16:creationId xmlns:a16="http://schemas.microsoft.com/office/drawing/2014/main" id="{F170F61B-A451-48F8-B4F3-D8CFA84E1551}"/>
+              </a:ext>
+            </a:extLst>
+          </p:cNvPr>
           <p:cNvSpPr>
             <a:spLocks noGrp="1"/>
           </p:cNvSpPr>
@@ -790,7 +891,13 @@
       </p:sp>
       <p:sp>
         <p:nvSpPr>
-          <p:cNvPr id="6" name="Slide Number Placeholder 5"/>
+          <p:cNvPr id="6" name="Slide Number Placeholder 5">
+            <a:extLst>
+              <a:ext uri="{FF2B5EF4-FFF2-40B4-BE49-F238E27FC236}">
+                <a16:creationId xmlns:a16="http://schemas.microsoft.com/office/drawing/2014/main" id="{830598EE-8E4C-41D8-C81A-E70A808F8FD7}"/>
+              </a:ext>
+            </a:extLst>
+          </p:cNvPr>
           <p:cNvSpPr>
             <a:spLocks noGrp="1"/>
           </p:cNvSpPr>
@@ -803,7 +910,7 @@
           <a:bodyPr/>
           <a:lstStyle/>
           <a:p>
-            <a:fld id="{E2429211-010C-4D43-8975-2908947DACE0}" type="slidenum">
+            <a:fld id="{871B5909-8224-774D-9B55-EB6EFAC91B82}" type="slidenum">
               <a:rPr lang="en-US" smtClean="0"/>
               <a:t>‹#›</a:t>
             </a:fld>
@@ -814,7 +921,7 @@
     </p:spTree>
     <p:extLst>
       <p:ext uri="{BB962C8B-B14F-4D97-AF65-F5344CB8AC3E}">
-        <p14:creationId xmlns:p14="http://schemas.microsoft.com/office/powerpoint/2010/main" val="1834125406"/>
+        <p14:creationId xmlns:p14="http://schemas.microsoft.com/office/powerpoint/2010/main" val="1514296480"/>
       </p:ext>
     </p:extLst>
   </p:cSld>
@@ -843,7 +950,13 @@
       </p:grpSpPr>
       <p:sp>
         <p:nvSpPr>
-          <p:cNvPr id="2" name="Title 1"/>
+          <p:cNvPr id="2" name="Title 1">
+            <a:extLst>
+              <a:ext uri="{FF2B5EF4-FFF2-40B4-BE49-F238E27FC236}">
+                <a16:creationId xmlns:a16="http://schemas.microsoft.com/office/drawing/2014/main" id="{9B2D01D3-0084-AFAA-14B5-F87A23C21F1C}"/>
+              </a:ext>
+            </a:extLst>
+          </p:cNvPr>
           <p:cNvSpPr>
             <a:spLocks noGrp="1"/>
           </p:cNvSpPr>
@@ -853,8 +966,8 @@
         </p:nvSpPr>
         <p:spPr>
           <a:xfrm>
-            <a:off x="1247775" y="1709739"/>
-            <a:ext cx="15773400" cy="2852737"/>
+            <a:off x="831850" y="1709738"/>
+            <a:ext cx="10515600" cy="2852737"/>
           </a:xfrm>
         </p:spPr>
         <p:txBody>
@@ -869,13 +982,18 @@
               <a:rPr lang="en-US"/>
               <a:t>Click to edit Master title style</a:t>
             </a:r>
-            <a:endParaRPr lang="en-US" dirty="0"/>
-          </a:p>
-        </p:txBody>
-      </p:sp>
-      <p:sp>
-        <p:nvSpPr>
-          <p:cNvPr id="3" name="Text Placeholder 2"/>
+          </a:p>
+        </p:txBody>
+      </p:sp>
+      <p:sp>
+        <p:nvSpPr>
+          <p:cNvPr id="3" name="Text Placeholder 2">
+            <a:extLst>
+              <a:ext uri="{FF2B5EF4-FFF2-40B4-BE49-F238E27FC236}">
+                <a16:creationId xmlns:a16="http://schemas.microsoft.com/office/drawing/2014/main" id="{8A25F970-C299-E0DF-A29F-359C37911B39}"/>
+              </a:ext>
+            </a:extLst>
+          </p:cNvPr>
           <p:cNvSpPr>
             <a:spLocks noGrp="1"/>
           </p:cNvSpPr>
@@ -885,8 +1003,8 @@
         </p:nvSpPr>
         <p:spPr>
           <a:xfrm>
-            <a:off x="1247775" y="4589464"/>
-            <a:ext cx="15773400" cy="1500187"/>
+            <a:off x="831850" y="4589463"/>
+            <a:ext cx="10515600" cy="1500187"/>
           </a:xfrm>
         </p:spPr>
         <p:txBody>
@@ -994,7 +1112,13 @@
       </p:sp>
       <p:sp>
         <p:nvSpPr>
-          <p:cNvPr id="4" name="Date Placeholder 3"/>
+          <p:cNvPr id="4" name="Date Placeholder 3">
+            <a:extLst>
+              <a:ext uri="{FF2B5EF4-FFF2-40B4-BE49-F238E27FC236}">
+                <a16:creationId xmlns:a16="http://schemas.microsoft.com/office/drawing/2014/main" id="{FC2E00C8-7DE2-C76F-CA46-A468F690D760}"/>
+              </a:ext>
+            </a:extLst>
+          </p:cNvPr>
           <p:cNvSpPr>
             <a:spLocks noGrp="1"/>
           </p:cNvSpPr>
@@ -1007,9 +1131,9 @@
           <a:bodyPr/>
           <a:lstStyle/>
           <a:p>
-            <a:fld id="{86FB3B22-72C6-954B-B5E8-70C9458D357E}" type="datetimeFigureOut">
+            <a:fld id="{C806AE3E-B6E1-7E4E-85FB-6EA4E4981C55}" type="datetimeFigureOut">
               <a:rPr lang="en-US" smtClean="0"/>
-              <a:t>6/1/22</a:t>
+              <a:t>2/16/23</a:t>
             </a:fld>
             <a:endParaRPr lang="en-US"/>
           </a:p>
@@ -1017,7 +1141,13 @@
       </p:sp>
       <p:sp>
         <p:nvSpPr>
-          <p:cNvPr id="5" name="Footer Placeholder 4"/>
+          <p:cNvPr id="5" name="Footer Placeholder 4">
+            <a:extLst>
+              <a:ext uri="{FF2B5EF4-FFF2-40B4-BE49-F238E27FC236}">
+                <a16:creationId xmlns:a16="http://schemas.microsoft.com/office/drawing/2014/main" id="{237624BC-30C8-7820-7E79-660AC351EC73}"/>
+              </a:ext>
+            </a:extLst>
+          </p:cNvPr>
           <p:cNvSpPr>
             <a:spLocks noGrp="1"/>
           </p:cNvSpPr>
@@ -1036,7 +1166,13 @@
       </p:sp>
       <p:sp>
         <p:nvSpPr>
-          <p:cNvPr id="6" name="Slide Number Placeholder 5"/>
+          <p:cNvPr id="6" name="Slide Number Placeholder 5">
+            <a:extLst>
+              <a:ext uri="{FF2B5EF4-FFF2-40B4-BE49-F238E27FC236}">
+                <a16:creationId xmlns:a16="http://schemas.microsoft.com/office/drawing/2014/main" id="{63F47B8F-C84A-F6C3-BF67-DC9A7D7934E0}"/>
+              </a:ext>
+            </a:extLst>
+          </p:cNvPr>
           <p:cNvSpPr>
             <a:spLocks noGrp="1"/>
           </p:cNvSpPr>
@@ -1049,7 +1185,7 @@
           <a:bodyPr/>
           <a:lstStyle/>
           <a:p>
-            <a:fld id="{E2429211-010C-4D43-8975-2908947DACE0}" type="slidenum">
+            <a:fld id="{871B5909-8224-774D-9B55-EB6EFAC91B82}" type="slidenum">
               <a:rPr lang="en-US" smtClean="0"/>
               <a:t>‹#›</a:t>
             </a:fld>
@@ -1060,7 +1196,7 @@
     </p:spTree>
     <p:extLst>
       <p:ext uri="{BB962C8B-B14F-4D97-AF65-F5344CB8AC3E}">
-        <p14:creationId xmlns:p14="http://schemas.microsoft.com/office/powerpoint/2010/main" val="114221505"/>
+        <p14:creationId xmlns:p14="http://schemas.microsoft.com/office/powerpoint/2010/main" val="2889548172"/>
       </p:ext>
     </p:extLst>
   </p:cSld>
@@ -1089,7 +1225,13 @@
       </p:grpSpPr>
       <p:sp>
         <p:nvSpPr>
-          <p:cNvPr id="2" name="Title 1"/>
+          <p:cNvPr id="2" name="Title 1">
+            <a:extLst>
+              <a:ext uri="{FF2B5EF4-FFF2-40B4-BE49-F238E27FC236}">
+                <a16:creationId xmlns:a16="http://schemas.microsoft.com/office/drawing/2014/main" id="{1453BF8A-63B0-BE13-71E9-BB7040381FC8}"/>
+              </a:ext>
+            </a:extLst>
+          </p:cNvPr>
           <p:cNvSpPr>
             <a:spLocks noGrp="1"/>
           </p:cNvSpPr>
@@ -1106,13 +1248,18 @@
               <a:rPr lang="en-US"/>
               <a:t>Click to edit Master title style</a:t>
             </a:r>
-            <a:endParaRPr lang="en-US" dirty="0"/>
-          </a:p>
-        </p:txBody>
-      </p:sp>
-      <p:sp>
-        <p:nvSpPr>
-          <p:cNvPr id="3" name="Content Placeholder 2"/>
+          </a:p>
+        </p:txBody>
+      </p:sp>
+      <p:sp>
+        <p:nvSpPr>
+          <p:cNvPr id="3" name="Content Placeholder 2">
+            <a:extLst>
+              <a:ext uri="{FF2B5EF4-FFF2-40B4-BE49-F238E27FC236}">
+                <a16:creationId xmlns:a16="http://schemas.microsoft.com/office/drawing/2014/main" id="{D825682A-B456-8A2C-7DE9-7E2FC7138C1D}"/>
+              </a:ext>
+            </a:extLst>
+          </p:cNvPr>
           <p:cNvSpPr>
             <a:spLocks noGrp="1"/>
           </p:cNvSpPr>
@@ -1122,8 +1269,8 @@
         </p:nvSpPr>
         <p:spPr>
           <a:xfrm>
-            <a:off x="1257300" y="1825625"/>
-            <a:ext cx="7772400" cy="4351338"/>
+            <a:off x="838200" y="1825625"/>
+            <a:ext cx="5181600" cy="4351338"/>
           </a:xfrm>
         </p:spPr>
         <p:txBody>
@@ -1163,13 +1310,18 @@
               <a:rPr lang="en-US"/>
               <a:t>Fifth level</a:t>
             </a:r>
-            <a:endParaRPr lang="en-US" dirty="0"/>
-          </a:p>
-        </p:txBody>
-      </p:sp>
-      <p:sp>
-        <p:nvSpPr>
-          <p:cNvPr id="4" name="Content Placeholder 3"/>
+          </a:p>
+        </p:txBody>
+      </p:sp>
+      <p:sp>
+        <p:nvSpPr>
+          <p:cNvPr id="4" name="Content Placeholder 3">
+            <a:extLst>
+              <a:ext uri="{FF2B5EF4-FFF2-40B4-BE49-F238E27FC236}">
+                <a16:creationId xmlns:a16="http://schemas.microsoft.com/office/drawing/2014/main" id="{D1677B68-0514-66B3-AA62-F635CAE9C7DA}"/>
+              </a:ext>
+            </a:extLst>
+          </p:cNvPr>
           <p:cNvSpPr>
             <a:spLocks noGrp="1"/>
           </p:cNvSpPr>
@@ -1179,8 +1331,8 @@
         </p:nvSpPr>
         <p:spPr>
           <a:xfrm>
-            <a:off x="9258300" y="1825625"/>
-            <a:ext cx="7772400" cy="4351338"/>
+            <a:off x="6172200" y="1825625"/>
+            <a:ext cx="5181600" cy="4351338"/>
           </a:xfrm>
         </p:spPr>
         <p:txBody>
@@ -1220,13 +1372,18 @@
               <a:rPr lang="en-US"/>
               <a:t>Fifth level</a:t>
             </a:r>
-            <a:endParaRPr lang="en-US" dirty="0"/>
-          </a:p>
-        </p:txBody>
-      </p:sp>
-      <p:sp>
-        <p:nvSpPr>
-          <p:cNvPr id="5" name="Date Placeholder 4"/>
+          </a:p>
+        </p:txBody>
+      </p:sp>
+      <p:sp>
+        <p:nvSpPr>
+          <p:cNvPr id="5" name="Date Placeholder 4">
+            <a:extLst>
+              <a:ext uri="{FF2B5EF4-FFF2-40B4-BE49-F238E27FC236}">
+                <a16:creationId xmlns:a16="http://schemas.microsoft.com/office/drawing/2014/main" id="{13FE6B88-A17A-C4FA-A18B-85C119794F3C}"/>
+              </a:ext>
+            </a:extLst>
+          </p:cNvPr>
           <p:cNvSpPr>
             <a:spLocks noGrp="1"/>
           </p:cNvSpPr>
@@ -1239,9 +1396,9 @@
           <a:bodyPr/>
           <a:lstStyle/>
           <a:p>
-            <a:fld id="{86FB3B22-72C6-954B-B5E8-70C9458D357E}" type="datetimeFigureOut">
+            <a:fld id="{C806AE3E-B6E1-7E4E-85FB-6EA4E4981C55}" type="datetimeFigureOut">
               <a:rPr lang="en-US" smtClean="0"/>
-              <a:t>6/1/22</a:t>
+              <a:t>2/16/23</a:t>
             </a:fld>
             <a:endParaRPr lang="en-US"/>
           </a:p>
@@ -1249,7 +1406,13 @@
       </p:sp>
       <p:sp>
         <p:nvSpPr>
-          <p:cNvPr id="6" name="Footer Placeholder 5"/>
+          <p:cNvPr id="6" name="Footer Placeholder 5">
+            <a:extLst>
+              <a:ext uri="{FF2B5EF4-FFF2-40B4-BE49-F238E27FC236}">
+                <a16:creationId xmlns:a16="http://schemas.microsoft.com/office/drawing/2014/main" id="{E513FCFE-C61B-320A-C7B0-447FFF26B48B}"/>
+              </a:ext>
+            </a:extLst>
+          </p:cNvPr>
           <p:cNvSpPr>
             <a:spLocks noGrp="1"/>
           </p:cNvSpPr>
@@ -1268,7 +1431,13 @@
       </p:sp>
       <p:sp>
         <p:nvSpPr>
-          <p:cNvPr id="7" name="Slide Number Placeholder 6"/>
+          <p:cNvPr id="7" name="Slide Number Placeholder 6">
+            <a:extLst>
+              <a:ext uri="{FF2B5EF4-FFF2-40B4-BE49-F238E27FC236}">
+                <a16:creationId xmlns:a16="http://schemas.microsoft.com/office/drawing/2014/main" id="{EE440439-133E-A364-1287-CBC979F252BB}"/>
+              </a:ext>
+            </a:extLst>
+          </p:cNvPr>
           <p:cNvSpPr>
             <a:spLocks noGrp="1"/>
           </p:cNvSpPr>
@@ -1281,7 +1450,7 @@
           <a:bodyPr/>
           <a:lstStyle/>
           <a:p>
-            <a:fld id="{E2429211-010C-4D43-8975-2908947DACE0}" type="slidenum">
+            <a:fld id="{871B5909-8224-774D-9B55-EB6EFAC91B82}" type="slidenum">
               <a:rPr lang="en-US" smtClean="0"/>
               <a:t>‹#›</a:t>
             </a:fld>
@@ -1292,7 +1461,7 @@
     </p:spTree>
     <p:extLst>
       <p:ext uri="{BB962C8B-B14F-4D97-AF65-F5344CB8AC3E}">
-        <p14:creationId xmlns:p14="http://schemas.microsoft.com/office/powerpoint/2010/main" val="1746532194"/>
+        <p14:creationId xmlns:p14="http://schemas.microsoft.com/office/powerpoint/2010/main" val="545904138"/>
       </p:ext>
     </p:extLst>
   </p:cSld>
@@ -1321,7 +1490,13 @@
       </p:grpSpPr>
       <p:sp>
         <p:nvSpPr>
-          <p:cNvPr id="2" name="Title 1"/>
+          <p:cNvPr id="2" name="Title 1">
+            <a:extLst>
+              <a:ext uri="{FF2B5EF4-FFF2-40B4-BE49-F238E27FC236}">
+                <a16:creationId xmlns:a16="http://schemas.microsoft.com/office/drawing/2014/main" id="{5B10A01F-EB5F-4214-148B-6CB04B061443}"/>
+              </a:ext>
+            </a:extLst>
+          </p:cNvPr>
           <p:cNvSpPr>
             <a:spLocks noGrp="1"/>
           </p:cNvSpPr>
@@ -1331,8 +1506,8 @@
         </p:nvSpPr>
         <p:spPr>
           <a:xfrm>
-            <a:off x="1259682" y="365126"/>
-            <a:ext cx="15773400" cy="1325563"/>
+            <a:off x="839788" y="365125"/>
+            <a:ext cx="10515600" cy="1325563"/>
           </a:xfrm>
         </p:spPr>
         <p:txBody>
@@ -1343,13 +1518,18 @@
               <a:rPr lang="en-US"/>
               <a:t>Click to edit Master title style</a:t>
             </a:r>
-            <a:endParaRPr lang="en-US" dirty="0"/>
-          </a:p>
-        </p:txBody>
-      </p:sp>
-      <p:sp>
-        <p:nvSpPr>
-          <p:cNvPr id="3" name="Text Placeholder 2"/>
+          </a:p>
+        </p:txBody>
+      </p:sp>
+      <p:sp>
+        <p:nvSpPr>
+          <p:cNvPr id="3" name="Text Placeholder 2">
+            <a:extLst>
+              <a:ext uri="{FF2B5EF4-FFF2-40B4-BE49-F238E27FC236}">
+                <a16:creationId xmlns:a16="http://schemas.microsoft.com/office/drawing/2014/main" id="{E51364DA-22E4-2010-9D5A-2D4EF728C514}"/>
+              </a:ext>
+            </a:extLst>
+          </p:cNvPr>
           <p:cNvSpPr>
             <a:spLocks noGrp="1"/>
           </p:cNvSpPr>
@@ -1359,8 +1539,8 @@
         </p:nvSpPr>
         <p:spPr>
           <a:xfrm>
-            <a:off x="1259683" y="1681163"/>
-            <a:ext cx="7736681" cy="823912"/>
+            <a:off x="839788" y="1681163"/>
+            <a:ext cx="5157787" cy="823912"/>
           </a:xfrm>
         </p:spPr>
         <p:txBody>
@@ -1414,7 +1594,13 @@
       </p:sp>
       <p:sp>
         <p:nvSpPr>
-          <p:cNvPr id="4" name="Content Placeholder 3"/>
+          <p:cNvPr id="4" name="Content Placeholder 3">
+            <a:extLst>
+              <a:ext uri="{FF2B5EF4-FFF2-40B4-BE49-F238E27FC236}">
+                <a16:creationId xmlns:a16="http://schemas.microsoft.com/office/drawing/2014/main" id="{16DBCCE5-9C7F-4430-A763-A4125F16B4FA}"/>
+              </a:ext>
+            </a:extLst>
+          </p:cNvPr>
           <p:cNvSpPr>
             <a:spLocks noGrp="1"/>
           </p:cNvSpPr>
@@ -1424,8 +1610,8 @@
         </p:nvSpPr>
         <p:spPr>
           <a:xfrm>
-            <a:off x="1259683" y="2505075"/>
-            <a:ext cx="7736681" cy="3684588"/>
+            <a:off x="839788" y="2505075"/>
+            <a:ext cx="5157787" cy="3684588"/>
           </a:xfrm>
         </p:spPr>
         <p:txBody>
@@ -1465,13 +1651,18 @@
               <a:rPr lang="en-US"/>
               <a:t>Fifth level</a:t>
             </a:r>
-            <a:endParaRPr lang="en-US" dirty="0"/>
-          </a:p>
-        </p:txBody>
-      </p:sp>
-      <p:sp>
-        <p:nvSpPr>
-          <p:cNvPr id="5" name="Text Placeholder 4"/>
+          </a:p>
+        </p:txBody>
+      </p:sp>
+      <p:sp>
+        <p:nvSpPr>
+          <p:cNvPr id="5" name="Text Placeholder 4">
+            <a:extLst>
+              <a:ext uri="{FF2B5EF4-FFF2-40B4-BE49-F238E27FC236}">
+                <a16:creationId xmlns:a16="http://schemas.microsoft.com/office/drawing/2014/main" id="{1856DFF5-7EBC-C3A8-226F-E4B849BB22EF}"/>
+              </a:ext>
+            </a:extLst>
+          </p:cNvPr>
           <p:cNvSpPr>
             <a:spLocks noGrp="1"/>
           </p:cNvSpPr>
@@ -1481,8 +1672,8 @@
         </p:nvSpPr>
         <p:spPr>
           <a:xfrm>
-            <a:off x="9258300" y="1681163"/>
-            <a:ext cx="7774782" cy="823912"/>
+            <a:off x="6172200" y="1681163"/>
+            <a:ext cx="5183188" cy="823912"/>
           </a:xfrm>
         </p:spPr>
         <p:txBody>
@@ -1536,7 +1727,13 @@
       </p:sp>
       <p:sp>
         <p:nvSpPr>
-          <p:cNvPr id="6" name="Content Placeholder 5"/>
+          <p:cNvPr id="6" name="Content Placeholder 5">
+            <a:extLst>
+              <a:ext uri="{FF2B5EF4-FFF2-40B4-BE49-F238E27FC236}">
+                <a16:creationId xmlns:a16="http://schemas.microsoft.com/office/drawing/2014/main" id="{EB6B4986-73F4-8D53-4F55-7C8B1E104266}"/>
+              </a:ext>
+            </a:extLst>
+          </p:cNvPr>
           <p:cNvSpPr>
             <a:spLocks noGrp="1"/>
           </p:cNvSpPr>
@@ -1546,8 +1743,8 @@
         </p:nvSpPr>
         <p:spPr>
           <a:xfrm>
-            <a:off x="9258300" y="2505075"/>
-            <a:ext cx="7774782" cy="3684588"/>
+            <a:off x="6172200" y="2505075"/>
+            <a:ext cx="5183188" cy="3684588"/>
           </a:xfrm>
         </p:spPr>
         <p:txBody>
@@ -1587,13 +1784,18 @@
               <a:rPr lang="en-US"/>
               <a:t>Fifth level</a:t>
             </a:r>
-            <a:endParaRPr lang="en-US" dirty="0"/>
-          </a:p>
-        </p:txBody>
-      </p:sp>
-      <p:sp>
-        <p:nvSpPr>
-          <p:cNvPr id="7" name="Date Placeholder 6"/>
+          </a:p>
+        </p:txBody>
+      </p:sp>
+      <p:sp>
+        <p:nvSpPr>
+          <p:cNvPr id="7" name="Date Placeholder 6">
+            <a:extLst>
+              <a:ext uri="{FF2B5EF4-FFF2-40B4-BE49-F238E27FC236}">
+                <a16:creationId xmlns:a16="http://schemas.microsoft.com/office/drawing/2014/main" id="{27E10106-8C13-E84F-EDEE-CA407A6EC6E7}"/>
+              </a:ext>
+            </a:extLst>
+          </p:cNvPr>
           <p:cNvSpPr>
             <a:spLocks noGrp="1"/>
           </p:cNvSpPr>
@@ -1606,9 +1808,9 @@
           <a:bodyPr/>
           <a:lstStyle/>
           <a:p>
-            <a:fld id="{86FB3B22-72C6-954B-B5E8-70C9458D357E}" type="datetimeFigureOut">
+            <a:fld id="{C806AE3E-B6E1-7E4E-85FB-6EA4E4981C55}" type="datetimeFigureOut">
               <a:rPr lang="en-US" smtClean="0"/>
-              <a:t>6/1/22</a:t>
+              <a:t>2/16/23</a:t>
             </a:fld>
             <a:endParaRPr lang="en-US"/>
           </a:p>
@@ -1616,7 +1818,13 @@
       </p:sp>
       <p:sp>
         <p:nvSpPr>
-          <p:cNvPr id="8" name="Footer Placeholder 7"/>
+          <p:cNvPr id="8" name="Footer Placeholder 7">
+            <a:extLst>
+              <a:ext uri="{FF2B5EF4-FFF2-40B4-BE49-F238E27FC236}">
+                <a16:creationId xmlns:a16="http://schemas.microsoft.com/office/drawing/2014/main" id="{67F7D2F1-BF54-C69E-12C8-96DB8BF7161A}"/>
+              </a:ext>
+            </a:extLst>
+          </p:cNvPr>
           <p:cNvSpPr>
             <a:spLocks noGrp="1"/>
           </p:cNvSpPr>
@@ -1635,7 +1843,13 @@
       </p:sp>
       <p:sp>
         <p:nvSpPr>
-          <p:cNvPr id="9" name="Slide Number Placeholder 8"/>
+          <p:cNvPr id="9" name="Slide Number Placeholder 8">
+            <a:extLst>
+              <a:ext uri="{FF2B5EF4-FFF2-40B4-BE49-F238E27FC236}">
+                <a16:creationId xmlns:a16="http://schemas.microsoft.com/office/drawing/2014/main" id="{244CB172-C5D1-88A6-FD59-4130CC3282DF}"/>
+              </a:ext>
+            </a:extLst>
+          </p:cNvPr>
           <p:cNvSpPr>
             <a:spLocks noGrp="1"/>
           </p:cNvSpPr>
@@ -1648,7 +1862,7 @@
           <a:bodyPr/>
           <a:lstStyle/>
           <a:p>
-            <a:fld id="{E2429211-010C-4D43-8975-2908947DACE0}" type="slidenum">
+            <a:fld id="{871B5909-8224-774D-9B55-EB6EFAC91B82}" type="slidenum">
               <a:rPr lang="en-US" smtClean="0"/>
               <a:t>‹#›</a:t>
             </a:fld>
@@ -1659,7 +1873,7 @@
     </p:spTree>
     <p:extLst>
       <p:ext uri="{BB962C8B-B14F-4D97-AF65-F5344CB8AC3E}">
-        <p14:creationId xmlns:p14="http://schemas.microsoft.com/office/powerpoint/2010/main" val="1841541590"/>
+        <p14:creationId xmlns:p14="http://schemas.microsoft.com/office/powerpoint/2010/main" val="2529688829"/>
       </p:ext>
     </p:extLst>
   </p:cSld>
@@ -1688,7 +1902,13 @@
       </p:grpSpPr>
       <p:sp>
         <p:nvSpPr>
-          <p:cNvPr id="2" name="Title 1"/>
+          <p:cNvPr id="2" name="Title 1">
+            <a:extLst>
+              <a:ext uri="{FF2B5EF4-FFF2-40B4-BE49-F238E27FC236}">
+                <a16:creationId xmlns:a16="http://schemas.microsoft.com/office/drawing/2014/main" id="{8029F21F-63AB-CD2C-362F-0BFE50036C96}"/>
+              </a:ext>
+            </a:extLst>
+          </p:cNvPr>
           <p:cNvSpPr>
             <a:spLocks noGrp="1"/>
           </p:cNvSpPr>
@@ -1705,13 +1925,18 @@
               <a:rPr lang="en-US"/>
               <a:t>Click to edit Master title style</a:t>
             </a:r>
-            <a:endParaRPr lang="en-US" dirty="0"/>
-          </a:p>
-        </p:txBody>
-      </p:sp>
-      <p:sp>
-        <p:nvSpPr>
-          <p:cNvPr id="3" name="Date Placeholder 2"/>
+          </a:p>
+        </p:txBody>
+      </p:sp>
+      <p:sp>
+        <p:nvSpPr>
+          <p:cNvPr id="3" name="Date Placeholder 2">
+            <a:extLst>
+              <a:ext uri="{FF2B5EF4-FFF2-40B4-BE49-F238E27FC236}">
+                <a16:creationId xmlns:a16="http://schemas.microsoft.com/office/drawing/2014/main" id="{8E610616-C85B-1539-4811-1F97D1EFF0FF}"/>
+              </a:ext>
+            </a:extLst>
+          </p:cNvPr>
           <p:cNvSpPr>
             <a:spLocks noGrp="1"/>
           </p:cNvSpPr>
@@ -1724,9 +1949,9 @@
           <a:bodyPr/>
           <a:lstStyle/>
           <a:p>
-            <a:fld id="{86FB3B22-72C6-954B-B5E8-70C9458D357E}" type="datetimeFigureOut">
+            <a:fld id="{C806AE3E-B6E1-7E4E-85FB-6EA4E4981C55}" type="datetimeFigureOut">
               <a:rPr lang="en-US" smtClean="0"/>
-              <a:t>6/1/22</a:t>
+              <a:t>2/16/23</a:t>
             </a:fld>
             <a:endParaRPr lang="en-US"/>
           </a:p>
@@ -1734,7 +1959,13 @@
       </p:sp>
       <p:sp>
         <p:nvSpPr>
-          <p:cNvPr id="4" name="Footer Placeholder 3"/>
+          <p:cNvPr id="4" name="Footer Placeholder 3">
+            <a:extLst>
+              <a:ext uri="{FF2B5EF4-FFF2-40B4-BE49-F238E27FC236}">
+                <a16:creationId xmlns:a16="http://schemas.microsoft.com/office/drawing/2014/main" id="{396D2326-6980-2AAA-7B9D-4ADB8E8098F0}"/>
+              </a:ext>
+            </a:extLst>
+          </p:cNvPr>
           <p:cNvSpPr>
             <a:spLocks noGrp="1"/>
           </p:cNvSpPr>
@@ -1753,7 +1984,13 @@
       </p:sp>
       <p:sp>
         <p:nvSpPr>
-          <p:cNvPr id="5" name="Slide Number Placeholder 4"/>
+          <p:cNvPr id="5" name="Slide Number Placeholder 4">
+            <a:extLst>
+              <a:ext uri="{FF2B5EF4-FFF2-40B4-BE49-F238E27FC236}">
+                <a16:creationId xmlns:a16="http://schemas.microsoft.com/office/drawing/2014/main" id="{0328C013-F69E-558F-FDD7-24AA2A03FAA3}"/>
+              </a:ext>
+            </a:extLst>
+          </p:cNvPr>
           <p:cNvSpPr>
             <a:spLocks noGrp="1"/>
           </p:cNvSpPr>
@@ -1766,7 +2003,7 @@
           <a:bodyPr/>
           <a:lstStyle/>
           <a:p>
-            <a:fld id="{E2429211-010C-4D43-8975-2908947DACE0}" type="slidenum">
+            <a:fld id="{871B5909-8224-774D-9B55-EB6EFAC91B82}" type="slidenum">
               <a:rPr lang="en-US" smtClean="0"/>
               <a:t>‹#›</a:t>
             </a:fld>
@@ -1777,7 +2014,7 @@
     </p:spTree>
     <p:extLst>
       <p:ext uri="{BB962C8B-B14F-4D97-AF65-F5344CB8AC3E}">
-        <p14:creationId xmlns:p14="http://schemas.microsoft.com/office/powerpoint/2010/main" val="1865614964"/>
+        <p14:creationId xmlns:p14="http://schemas.microsoft.com/office/powerpoint/2010/main" val="783249852"/>
       </p:ext>
     </p:extLst>
   </p:cSld>
@@ -1806,7 +2043,13 @@
       </p:grpSpPr>
       <p:sp>
         <p:nvSpPr>
-          <p:cNvPr id="2" name="Date Placeholder 1"/>
+          <p:cNvPr id="2" name="Date Placeholder 1">
+            <a:extLst>
+              <a:ext uri="{FF2B5EF4-FFF2-40B4-BE49-F238E27FC236}">
+                <a16:creationId xmlns:a16="http://schemas.microsoft.com/office/drawing/2014/main" id="{990BD7E0-963E-1E6D-2D9E-9A456E359711}"/>
+              </a:ext>
+            </a:extLst>
+          </p:cNvPr>
           <p:cNvSpPr>
             <a:spLocks noGrp="1"/>
           </p:cNvSpPr>
@@ -1819,9 +2062,9 @@
           <a:bodyPr/>
           <a:lstStyle/>
           <a:p>
-            <a:fld id="{86FB3B22-72C6-954B-B5E8-70C9458D357E}" type="datetimeFigureOut">
+            <a:fld id="{C806AE3E-B6E1-7E4E-85FB-6EA4E4981C55}" type="datetimeFigureOut">
               <a:rPr lang="en-US" smtClean="0"/>
-              <a:t>6/1/22</a:t>
+              <a:t>2/16/23</a:t>
             </a:fld>
             <a:endParaRPr lang="en-US"/>
           </a:p>
@@ -1829,7 +2072,13 @@
       </p:sp>
       <p:sp>
         <p:nvSpPr>
-          <p:cNvPr id="3" name="Footer Placeholder 2"/>
+          <p:cNvPr id="3" name="Footer Placeholder 2">
+            <a:extLst>
+              <a:ext uri="{FF2B5EF4-FFF2-40B4-BE49-F238E27FC236}">
+                <a16:creationId xmlns:a16="http://schemas.microsoft.com/office/drawing/2014/main" id="{DD004C0E-67C7-B21D-5228-7E25DB3DE14E}"/>
+              </a:ext>
+            </a:extLst>
+          </p:cNvPr>
           <p:cNvSpPr>
             <a:spLocks noGrp="1"/>
           </p:cNvSpPr>
@@ -1848,7 +2097,13 @@
       </p:sp>
       <p:sp>
         <p:nvSpPr>
-          <p:cNvPr id="4" name="Slide Number Placeholder 3"/>
+          <p:cNvPr id="4" name="Slide Number Placeholder 3">
+            <a:extLst>
+              <a:ext uri="{FF2B5EF4-FFF2-40B4-BE49-F238E27FC236}">
+                <a16:creationId xmlns:a16="http://schemas.microsoft.com/office/drawing/2014/main" id="{72AD8D1D-6340-5F87-33C0-780EE1EE6D94}"/>
+              </a:ext>
+            </a:extLst>
+          </p:cNvPr>
           <p:cNvSpPr>
             <a:spLocks noGrp="1"/>
           </p:cNvSpPr>
@@ -1861,7 +2116,7 @@
           <a:bodyPr/>
           <a:lstStyle/>
           <a:p>
-            <a:fld id="{E2429211-010C-4D43-8975-2908947DACE0}" type="slidenum">
+            <a:fld id="{871B5909-8224-774D-9B55-EB6EFAC91B82}" type="slidenum">
               <a:rPr lang="en-US" smtClean="0"/>
               <a:t>‹#›</a:t>
             </a:fld>
@@ -1872,7 +2127,7 @@
     </p:spTree>
     <p:extLst>
       <p:ext uri="{BB962C8B-B14F-4D97-AF65-F5344CB8AC3E}">
-        <p14:creationId xmlns:p14="http://schemas.microsoft.com/office/powerpoint/2010/main" val="4120278431"/>
+        <p14:creationId xmlns:p14="http://schemas.microsoft.com/office/powerpoint/2010/main" val="3603768663"/>
       </p:ext>
     </p:extLst>
   </p:cSld>
@@ -1901,7 +2156,13 @@
       </p:grpSpPr>
       <p:sp>
         <p:nvSpPr>
-          <p:cNvPr id="2" name="Title 1"/>
+          <p:cNvPr id="2" name="Title 1">
+            <a:extLst>
+              <a:ext uri="{FF2B5EF4-FFF2-40B4-BE49-F238E27FC236}">
+                <a16:creationId xmlns:a16="http://schemas.microsoft.com/office/drawing/2014/main" id="{DCA740CB-7A2F-E3F1-6DC3-4B1C05DDA1D8}"/>
+              </a:ext>
+            </a:extLst>
+          </p:cNvPr>
           <p:cNvSpPr>
             <a:spLocks noGrp="1"/>
           </p:cNvSpPr>
@@ -1911,8 +2172,8 @@
         </p:nvSpPr>
         <p:spPr>
           <a:xfrm>
-            <a:off x="1259683" y="457200"/>
-            <a:ext cx="5898356" cy="1600200"/>
+            <a:off x="839788" y="457200"/>
+            <a:ext cx="3932237" cy="1600200"/>
           </a:xfrm>
         </p:spPr>
         <p:txBody>
@@ -1927,13 +2188,18 @@
               <a:rPr lang="en-US"/>
               <a:t>Click to edit Master title style</a:t>
             </a:r>
-            <a:endParaRPr lang="en-US" dirty="0"/>
-          </a:p>
-        </p:txBody>
-      </p:sp>
-      <p:sp>
-        <p:nvSpPr>
-          <p:cNvPr id="3" name="Content Placeholder 2"/>
+          </a:p>
+        </p:txBody>
+      </p:sp>
+      <p:sp>
+        <p:nvSpPr>
+          <p:cNvPr id="3" name="Content Placeholder 2">
+            <a:extLst>
+              <a:ext uri="{FF2B5EF4-FFF2-40B4-BE49-F238E27FC236}">
+                <a16:creationId xmlns:a16="http://schemas.microsoft.com/office/drawing/2014/main" id="{11855746-36E3-9C43-3859-312F4AF0E59D}"/>
+              </a:ext>
+            </a:extLst>
+          </p:cNvPr>
           <p:cNvSpPr>
             <a:spLocks noGrp="1"/>
           </p:cNvSpPr>
@@ -1943,8 +2209,8 @@
         </p:nvSpPr>
         <p:spPr>
           <a:xfrm>
-            <a:off x="7774782" y="987426"/>
-            <a:ext cx="9258300" cy="4873625"/>
+            <a:off x="5183188" y="987425"/>
+            <a:ext cx="6172200" cy="4873625"/>
           </a:xfrm>
         </p:spPr>
         <p:txBody>
@@ -2012,13 +2278,18 @@
               <a:rPr lang="en-US"/>
               <a:t>Fifth level</a:t>
             </a:r>
-            <a:endParaRPr lang="en-US" dirty="0"/>
-          </a:p>
-        </p:txBody>
-      </p:sp>
-      <p:sp>
-        <p:nvSpPr>
-          <p:cNvPr id="4" name="Text Placeholder 3"/>
+          </a:p>
+        </p:txBody>
+      </p:sp>
+      <p:sp>
+        <p:nvSpPr>
+          <p:cNvPr id="4" name="Text Placeholder 3">
+            <a:extLst>
+              <a:ext uri="{FF2B5EF4-FFF2-40B4-BE49-F238E27FC236}">
+                <a16:creationId xmlns:a16="http://schemas.microsoft.com/office/drawing/2014/main" id="{586771BC-E1FE-C1F7-E064-B9EB410D6464}"/>
+              </a:ext>
+            </a:extLst>
+          </p:cNvPr>
           <p:cNvSpPr>
             <a:spLocks noGrp="1"/>
           </p:cNvSpPr>
@@ -2028,8 +2299,8 @@
         </p:nvSpPr>
         <p:spPr>
           <a:xfrm>
-            <a:off x="1259683" y="2057400"/>
-            <a:ext cx="5898356" cy="3811588"/>
+            <a:off x="839788" y="2057400"/>
+            <a:ext cx="3932237" cy="3811588"/>
           </a:xfrm>
         </p:spPr>
         <p:txBody>
@@ -2083,7 +2354,13 @@
       </p:sp>
       <p:sp>
         <p:nvSpPr>
-          <p:cNvPr id="5" name="Date Placeholder 4"/>
+          <p:cNvPr id="5" name="Date Placeholder 4">
+            <a:extLst>
+              <a:ext uri="{FF2B5EF4-FFF2-40B4-BE49-F238E27FC236}">
+                <a16:creationId xmlns:a16="http://schemas.microsoft.com/office/drawing/2014/main" id="{D3A5C214-8B07-C5A9-B9EE-A12AF3698717}"/>
+              </a:ext>
+            </a:extLst>
+          </p:cNvPr>
           <p:cNvSpPr>
             <a:spLocks noGrp="1"/>
           </p:cNvSpPr>
@@ -2096,9 +2373,9 @@
           <a:bodyPr/>
           <a:lstStyle/>
           <a:p>
-            <a:fld id="{86FB3B22-72C6-954B-B5E8-70C9458D357E}" type="datetimeFigureOut">
+            <a:fld id="{C806AE3E-B6E1-7E4E-85FB-6EA4E4981C55}" type="datetimeFigureOut">
               <a:rPr lang="en-US" smtClean="0"/>
-              <a:t>6/1/22</a:t>
+              <a:t>2/16/23</a:t>
             </a:fld>
             <a:endParaRPr lang="en-US"/>
           </a:p>
@@ -2106,7 +2383,13 @@
       </p:sp>
       <p:sp>
         <p:nvSpPr>
-          <p:cNvPr id="6" name="Footer Placeholder 5"/>
+          <p:cNvPr id="6" name="Footer Placeholder 5">
+            <a:extLst>
+              <a:ext uri="{FF2B5EF4-FFF2-40B4-BE49-F238E27FC236}">
+                <a16:creationId xmlns:a16="http://schemas.microsoft.com/office/drawing/2014/main" id="{48EB24C6-E154-4E54-7EFE-E83582B31856}"/>
+              </a:ext>
+            </a:extLst>
+          </p:cNvPr>
           <p:cNvSpPr>
             <a:spLocks noGrp="1"/>
           </p:cNvSpPr>
@@ -2125,7 +2408,13 @@
       </p:sp>
       <p:sp>
         <p:nvSpPr>
-          <p:cNvPr id="7" name="Slide Number Placeholder 6"/>
+          <p:cNvPr id="7" name="Slide Number Placeholder 6">
+            <a:extLst>
+              <a:ext uri="{FF2B5EF4-FFF2-40B4-BE49-F238E27FC236}">
+                <a16:creationId xmlns:a16="http://schemas.microsoft.com/office/drawing/2014/main" id="{A1C849D5-2D52-CCC6-8327-D55F4005A86C}"/>
+              </a:ext>
+            </a:extLst>
+          </p:cNvPr>
           <p:cNvSpPr>
             <a:spLocks noGrp="1"/>
           </p:cNvSpPr>
@@ -2138,7 +2427,7 @@
           <a:bodyPr/>
           <a:lstStyle/>
           <a:p>
-            <a:fld id="{E2429211-010C-4D43-8975-2908947DACE0}" type="slidenum">
+            <a:fld id="{871B5909-8224-774D-9B55-EB6EFAC91B82}" type="slidenum">
               <a:rPr lang="en-US" smtClean="0"/>
               <a:t>‹#›</a:t>
             </a:fld>
@@ -2149,7 +2438,7 @@
     </p:spTree>
     <p:extLst>
       <p:ext uri="{BB962C8B-B14F-4D97-AF65-F5344CB8AC3E}">
-        <p14:creationId xmlns:p14="http://schemas.microsoft.com/office/powerpoint/2010/main" val="824806725"/>
+        <p14:creationId xmlns:p14="http://schemas.microsoft.com/office/powerpoint/2010/main" val="3935223490"/>
       </p:ext>
     </p:extLst>
   </p:cSld>
@@ -2178,7 +2467,13 @@
       </p:grpSpPr>
       <p:sp>
         <p:nvSpPr>
-          <p:cNvPr id="2" name="Title 1"/>
+          <p:cNvPr id="2" name="Title 1">
+            <a:extLst>
+              <a:ext uri="{FF2B5EF4-FFF2-40B4-BE49-F238E27FC236}">
+                <a16:creationId xmlns:a16="http://schemas.microsoft.com/office/drawing/2014/main" id="{EA637166-47F0-451F-F4D2-F8B38AFA09C2}"/>
+              </a:ext>
+            </a:extLst>
+          </p:cNvPr>
           <p:cNvSpPr>
             <a:spLocks noGrp="1"/>
           </p:cNvSpPr>
@@ -2188,8 +2483,8 @@
         </p:nvSpPr>
         <p:spPr>
           <a:xfrm>
-            <a:off x="1259683" y="457200"/>
-            <a:ext cx="5898356" cy="1600200"/>
+            <a:off x="839788" y="457200"/>
+            <a:ext cx="3932237" cy="1600200"/>
           </a:xfrm>
         </p:spPr>
         <p:txBody>
@@ -2204,15 +2499,20 @@
               <a:rPr lang="en-US"/>
               <a:t>Click to edit Master title style</a:t>
             </a:r>
-            <a:endParaRPr lang="en-US" dirty="0"/>
-          </a:p>
-        </p:txBody>
-      </p:sp>
-      <p:sp>
-        <p:nvSpPr>
-          <p:cNvPr id="3" name="Picture Placeholder 2"/>
-          <p:cNvSpPr>
-            <a:spLocks noGrp="1" noChangeAspect="1"/>
+          </a:p>
+        </p:txBody>
+      </p:sp>
+      <p:sp>
+        <p:nvSpPr>
+          <p:cNvPr id="3" name="Picture Placeholder 2">
+            <a:extLst>
+              <a:ext uri="{FF2B5EF4-FFF2-40B4-BE49-F238E27FC236}">
+                <a16:creationId xmlns:a16="http://schemas.microsoft.com/office/drawing/2014/main" id="{B34C3D9E-D3FF-A4DF-A9F2-1C802500F8D8}"/>
+              </a:ext>
+            </a:extLst>
+          </p:cNvPr>
+          <p:cNvSpPr>
+            <a:spLocks noGrp="1"/>
           </p:cNvSpPr>
           <p:nvPr>
             <p:ph type="pic" idx="1"/>
@@ -2220,12 +2520,12 @@
         </p:nvSpPr>
         <p:spPr>
           <a:xfrm>
-            <a:off x="7774782" y="987426"/>
-            <a:ext cx="9258300" cy="4873625"/>
+            <a:off x="5183188" y="987425"/>
+            <a:ext cx="6172200" cy="4873625"/>
           </a:xfrm>
         </p:spPr>
         <p:txBody>
-          <a:bodyPr anchor="t"/>
+          <a:bodyPr/>
           <a:lstStyle>
             <a:lvl1pPr marL="0" indent="0">
               <a:buNone/>
@@ -2265,17 +2565,19 @@
             </a:lvl9pPr>
           </a:lstStyle>
           <a:p>
-            <a:r>
-              <a:rPr lang="en-US"/>
-              <a:t>Click icon to add picture</a:t>
-            </a:r>
-            <a:endParaRPr lang="en-US" dirty="0"/>
-          </a:p>
-        </p:txBody>
-      </p:sp>
-      <p:sp>
-        <p:nvSpPr>
-          <p:cNvPr id="4" name="Text Placeholder 3"/>
+            <a:endParaRPr lang="en-US"/>
+          </a:p>
+        </p:txBody>
+      </p:sp>
+      <p:sp>
+        <p:nvSpPr>
+          <p:cNvPr id="4" name="Text Placeholder 3">
+            <a:extLst>
+              <a:ext uri="{FF2B5EF4-FFF2-40B4-BE49-F238E27FC236}">
+                <a16:creationId xmlns:a16="http://schemas.microsoft.com/office/drawing/2014/main" id="{AF11756C-5987-7E87-EB92-7D7684C1259B}"/>
+              </a:ext>
+            </a:extLst>
+          </p:cNvPr>
           <p:cNvSpPr>
             <a:spLocks noGrp="1"/>
           </p:cNvSpPr>
@@ -2285,8 +2587,8 @@
         </p:nvSpPr>
         <p:spPr>
           <a:xfrm>
-            <a:off x="1259683" y="2057400"/>
-            <a:ext cx="5898356" cy="3811588"/>
+            <a:off x="839788" y="2057400"/>
+            <a:ext cx="3932237" cy="3811588"/>
           </a:xfrm>
         </p:spPr>
         <p:txBody>
@@ -2340,7 +2642,13 @@
       </p:sp>
       <p:sp>
         <p:nvSpPr>
-          <p:cNvPr id="5" name="Date Placeholder 4"/>
+          <p:cNvPr id="5" name="Date Placeholder 4">
+            <a:extLst>
+              <a:ext uri="{FF2B5EF4-FFF2-40B4-BE49-F238E27FC236}">
+                <a16:creationId xmlns:a16="http://schemas.microsoft.com/office/drawing/2014/main" id="{2338EDB9-D982-28B1-9C62-26A1C0667D82}"/>
+              </a:ext>
+            </a:extLst>
+          </p:cNvPr>
           <p:cNvSpPr>
             <a:spLocks noGrp="1"/>
           </p:cNvSpPr>
@@ -2353,9 +2661,9 @@
           <a:bodyPr/>
           <a:lstStyle/>
           <a:p>
-            <a:fld id="{86FB3B22-72C6-954B-B5E8-70C9458D357E}" type="datetimeFigureOut">
+            <a:fld id="{C806AE3E-B6E1-7E4E-85FB-6EA4E4981C55}" type="datetimeFigureOut">
               <a:rPr lang="en-US" smtClean="0"/>
-              <a:t>6/1/22</a:t>
+              <a:t>2/16/23</a:t>
             </a:fld>
             <a:endParaRPr lang="en-US"/>
           </a:p>
@@ -2363,7 +2671,13 @@
       </p:sp>
       <p:sp>
         <p:nvSpPr>
-          <p:cNvPr id="6" name="Footer Placeholder 5"/>
+          <p:cNvPr id="6" name="Footer Placeholder 5">
+            <a:extLst>
+              <a:ext uri="{FF2B5EF4-FFF2-40B4-BE49-F238E27FC236}">
+                <a16:creationId xmlns:a16="http://schemas.microsoft.com/office/drawing/2014/main" id="{3CE56724-19A0-014A-F209-D8EA7EF16A20}"/>
+              </a:ext>
+            </a:extLst>
+          </p:cNvPr>
           <p:cNvSpPr>
             <a:spLocks noGrp="1"/>
           </p:cNvSpPr>
@@ -2382,7 +2696,13 @@
       </p:sp>
       <p:sp>
         <p:nvSpPr>
-          <p:cNvPr id="7" name="Slide Number Placeholder 6"/>
+          <p:cNvPr id="7" name="Slide Number Placeholder 6">
+            <a:extLst>
+              <a:ext uri="{FF2B5EF4-FFF2-40B4-BE49-F238E27FC236}">
+                <a16:creationId xmlns:a16="http://schemas.microsoft.com/office/drawing/2014/main" id="{CE031BB1-CF53-8CF1-8EC8-1CB9660B9888}"/>
+              </a:ext>
+            </a:extLst>
+          </p:cNvPr>
           <p:cNvSpPr>
             <a:spLocks noGrp="1"/>
           </p:cNvSpPr>
@@ -2395,7 +2715,7 @@
           <a:bodyPr/>
           <a:lstStyle/>
           <a:p>
-            <a:fld id="{E2429211-010C-4D43-8975-2908947DACE0}" type="slidenum">
+            <a:fld id="{871B5909-8224-774D-9B55-EB6EFAC91B82}" type="slidenum">
               <a:rPr lang="en-US" smtClean="0"/>
               <a:t>‹#›</a:t>
             </a:fld>
@@ -2406,7 +2726,7 @@
     </p:spTree>
     <p:extLst>
       <p:ext uri="{BB962C8B-B14F-4D97-AF65-F5344CB8AC3E}">
-        <p14:creationId xmlns:p14="http://schemas.microsoft.com/office/powerpoint/2010/main" val="3526070062"/>
+        <p14:creationId xmlns:p14="http://schemas.microsoft.com/office/powerpoint/2010/main" val="3844693073"/>
       </p:ext>
     </p:extLst>
   </p:cSld>
@@ -2440,7 +2760,13 @@
       </p:grpSpPr>
       <p:sp>
         <p:nvSpPr>
-          <p:cNvPr id="2" name="Title Placeholder 1"/>
+          <p:cNvPr id="2" name="Title Placeholder 1">
+            <a:extLst>
+              <a:ext uri="{FF2B5EF4-FFF2-40B4-BE49-F238E27FC236}">
+                <a16:creationId xmlns:a16="http://schemas.microsoft.com/office/drawing/2014/main" id="{2F0356C3-3E00-CB67-FA30-E090CD351FB1}"/>
+              </a:ext>
+            </a:extLst>
+          </p:cNvPr>
           <p:cNvSpPr>
             <a:spLocks noGrp="1"/>
           </p:cNvSpPr>
@@ -2450,8 +2776,8 @@
         </p:nvSpPr>
         <p:spPr>
           <a:xfrm>
-            <a:off x="1257300" y="365126"/>
-            <a:ext cx="15773400" cy="1325563"/>
+            <a:off x="838200" y="365125"/>
+            <a:ext cx="10515600" cy="1325563"/>
           </a:xfrm>
           <a:prstGeom prst="rect">
             <a:avLst/>
@@ -2467,13 +2793,18 @@
               <a:rPr lang="en-US"/>
               <a:t>Click to edit Master title style</a:t>
             </a:r>
-            <a:endParaRPr lang="en-US" dirty="0"/>
-          </a:p>
-        </p:txBody>
-      </p:sp>
-      <p:sp>
-        <p:nvSpPr>
-          <p:cNvPr id="3" name="Text Placeholder 2"/>
+          </a:p>
+        </p:txBody>
+      </p:sp>
+      <p:sp>
+        <p:nvSpPr>
+          <p:cNvPr id="3" name="Text Placeholder 2">
+            <a:extLst>
+              <a:ext uri="{FF2B5EF4-FFF2-40B4-BE49-F238E27FC236}">
+                <a16:creationId xmlns:a16="http://schemas.microsoft.com/office/drawing/2014/main" id="{67543986-AF26-0158-E99D-840C4F50A3A4}"/>
+              </a:ext>
+            </a:extLst>
+          </p:cNvPr>
           <p:cNvSpPr>
             <a:spLocks noGrp="1"/>
           </p:cNvSpPr>
@@ -2483,8 +2814,8 @@
         </p:nvSpPr>
         <p:spPr>
           <a:xfrm>
-            <a:off x="1257300" y="1825625"/>
-            <a:ext cx="15773400" cy="4351338"/>
+            <a:off x="838200" y="1825625"/>
+            <a:ext cx="10515600" cy="4351338"/>
           </a:xfrm>
           <a:prstGeom prst="rect">
             <a:avLst/>
@@ -2529,13 +2860,18 @@
               <a:rPr lang="en-US"/>
               <a:t>Fifth level</a:t>
             </a:r>
-            <a:endParaRPr lang="en-US" dirty="0"/>
-          </a:p>
-        </p:txBody>
-      </p:sp>
-      <p:sp>
-        <p:nvSpPr>
-          <p:cNvPr id="4" name="Date Placeholder 3"/>
+          </a:p>
+        </p:txBody>
+      </p:sp>
+      <p:sp>
+        <p:nvSpPr>
+          <p:cNvPr id="4" name="Date Placeholder 3">
+            <a:extLst>
+              <a:ext uri="{FF2B5EF4-FFF2-40B4-BE49-F238E27FC236}">
+                <a16:creationId xmlns:a16="http://schemas.microsoft.com/office/drawing/2014/main" id="{82821EEF-E9F8-DCD1-8FE9-B062DA20BB44}"/>
+              </a:ext>
+            </a:extLst>
+          </p:cNvPr>
           <p:cNvSpPr>
             <a:spLocks noGrp="1"/>
           </p:cNvSpPr>
@@ -2545,8 +2881,8 @@
         </p:nvSpPr>
         <p:spPr>
           <a:xfrm>
-            <a:off x="1257300" y="6356351"/>
-            <a:ext cx="4114800" cy="365125"/>
+            <a:off x="838200" y="6356350"/>
+            <a:ext cx="2743200" cy="365125"/>
           </a:xfrm>
           <a:prstGeom prst="rect">
             <a:avLst/>
@@ -2566,9 +2902,9 @@
             </a:lvl1pPr>
           </a:lstStyle>
           <a:p>
-            <a:fld id="{86FB3B22-72C6-954B-B5E8-70C9458D357E}" type="datetimeFigureOut">
+            <a:fld id="{C806AE3E-B6E1-7E4E-85FB-6EA4E4981C55}" type="datetimeFigureOut">
               <a:rPr lang="en-US" smtClean="0"/>
-              <a:t>6/1/22</a:t>
+              <a:t>2/16/23</a:t>
             </a:fld>
             <a:endParaRPr lang="en-US"/>
           </a:p>
@@ -2576,7 +2912,13 @@
       </p:sp>
       <p:sp>
         <p:nvSpPr>
-          <p:cNvPr id="5" name="Footer Placeholder 4"/>
+          <p:cNvPr id="5" name="Footer Placeholder 4">
+            <a:extLst>
+              <a:ext uri="{FF2B5EF4-FFF2-40B4-BE49-F238E27FC236}">
+                <a16:creationId xmlns:a16="http://schemas.microsoft.com/office/drawing/2014/main" id="{5F9EBC28-13FC-3EFA-0851-6B5ABADD28C7}"/>
+              </a:ext>
+            </a:extLst>
+          </p:cNvPr>
           <p:cNvSpPr>
             <a:spLocks noGrp="1"/>
           </p:cNvSpPr>
@@ -2586,8 +2928,8 @@
         </p:nvSpPr>
         <p:spPr>
           <a:xfrm>
-            <a:off x="6057900" y="6356351"/>
-            <a:ext cx="6172200" cy="365125"/>
+            <a:off x="4038600" y="6356350"/>
+            <a:ext cx="4114800" cy="365125"/>
           </a:xfrm>
           <a:prstGeom prst="rect">
             <a:avLst/>
@@ -2613,7 +2955,13 @@
       </p:sp>
       <p:sp>
         <p:nvSpPr>
-          <p:cNvPr id="6" name="Slide Number Placeholder 5"/>
+          <p:cNvPr id="6" name="Slide Number Placeholder 5">
+            <a:extLst>
+              <a:ext uri="{FF2B5EF4-FFF2-40B4-BE49-F238E27FC236}">
+                <a16:creationId xmlns:a16="http://schemas.microsoft.com/office/drawing/2014/main" id="{C7C37C5B-0EC8-3C7A-AB24-8D7A3AD5067F}"/>
+              </a:ext>
+            </a:extLst>
+          </p:cNvPr>
           <p:cNvSpPr>
             <a:spLocks noGrp="1"/>
           </p:cNvSpPr>
@@ -2623,8 +2971,8 @@
         </p:nvSpPr>
         <p:spPr>
           <a:xfrm>
-            <a:off x="12915900" y="6356351"/>
-            <a:ext cx="4114800" cy="365125"/>
+            <a:off x="8610600" y="6356350"/>
+            <a:ext cx="2743200" cy="365125"/>
           </a:xfrm>
           <a:prstGeom prst="rect">
             <a:avLst/>
@@ -2644,7 +2992,7 @@
             </a:lvl1pPr>
           </a:lstStyle>
           <a:p>
-            <a:fld id="{E2429211-010C-4D43-8975-2908947DACE0}" type="slidenum">
+            <a:fld id="{871B5909-8224-774D-9B55-EB6EFAC91B82}" type="slidenum">
               <a:rPr lang="en-US" smtClean="0"/>
               <a:t>‹#›</a:t>
             </a:fld>
@@ -2655,23 +3003,23 @@
     </p:spTree>
     <p:extLst>
       <p:ext uri="{BB962C8B-B14F-4D97-AF65-F5344CB8AC3E}">
-        <p14:creationId xmlns:p14="http://schemas.microsoft.com/office/powerpoint/2010/main" val="1106228942"/>
+        <p14:creationId xmlns:p14="http://schemas.microsoft.com/office/powerpoint/2010/main" val="2862303729"/>
       </p:ext>
     </p:extLst>
   </p:cSld>
   <p:clrMap bg1="lt1" tx1="dk1" bg2="lt2" tx2="dk2" accent1="accent1" accent2="accent2" accent3="accent3" accent4="accent4" accent5="accent5" accent6="accent6" hlink="hlink" folHlink="folHlink"/>
   <p:sldLayoutIdLst>
-    <p:sldLayoutId id="2147483673" r:id="rId1"/>
-    <p:sldLayoutId id="2147483674" r:id="rId2"/>
-    <p:sldLayoutId id="2147483675" r:id="rId3"/>
-    <p:sldLayoutId id="2147483676" r:id="rId4"/>
-    <p:sldLayoutId id="2147483677" r:id="rId5"/>
-    <p:sldLayoutId id="2147483678" r:id="rId6"/>
-    <p:sldLayoutId id="2147483679" r:id="rId7"/>
-    <p:sldLayoutId id="2147483680" r:id="rId8"/>
-    <p:sldLayoutId id="2147483681" r:id="rId9"/>
-    <p:sldLayoutId id="2147483682" r:id="rId10"/>
-    <p:sldLayoutId id="2147483683" r:id="rId11"/>
+    <p:sldLayoutId id="2147483649" r:id="rId1"/>
+    <p:sldLayoutId id="2147483650" r:id="rId2"/>
+    <p:sldLayoutId id="2147483651" r:id="rId3"/>
+    <p:sldLayoutId id="2147483652" r:id="rId4"/>
+    <p:sldLayoutId id="2147483653" r:id="rId5"/>
+    <p:sldLayoutId id="2147483654" r:id="rId6"/>
+    <p:sldLayoutId id="2147483655" r:id="rId7"/>
+    <p:sldLayoutId id="2147483656" r:id="rId8"/>
+    <p:sldLayoutId id="2147483657" r:id="rId9"/>
+    <p:sldLayoutId id="2147483658" r:id="rId10"/>
+    <p:sldLayoutId id="2147483659" r:id="rId11"/>
   </p:sldLayoutIdLst>
   <p:txStyles>
     <p:titleStyle>
@@ -2975,10 +3323,10 @@
       </p:grpSpPr>
       <p:sp>
         <p:nvSpPr>
-          <p:cNvPr id="103" name="Rounded Rectangle 102">
-            <a:extLst>
-              <a:ext uri="{FF2B5EF4-FFF2-40B4-BE49-F238E27FC236}">
-                <a16:creationId xmlns:a16="http://schemas.microsoft.com/office/drawing/2014/main" id="{3A7CE2EB-8CB4-640F-1218-08D78DF00835}"/>
+          <p:cNvPr id="17" name="Right Arrow 16">
+            <a:extLst>
+              <a:ext uri="{FF2B5EF4-FFF2-40B4-BE49-F238E27FC236}">
+                <a16:creationId xmlns:a16="http://schemas.microsoft.com/office/drawing/2014/main" id="{3846ED85-2EF0-47FB-1926-274FB38A99B0}"/>
               </a:ext>
             </a:extLst>
           </p:cNvPr>
@@ -2987,13 +3335,249 @@
         </p:nvSpPr>
         <p:spPr>
           <a:xfrm>
-            <a:off x="10852070" y="1910224"/>
-            <a:ext cx="1838113" cy="1369164"/>
+            <a:off x="1717304" y="3429000"/>
+            <a:ext cx="762000" cy="372762"/>
           </a:xfrm>
-          <a:prstGeom prst="roundRect">
-            <a:avLst>
-              <a:gd name="adj" fmla="val 8924"/>
-            </a:avLst>
+          <a:prstGeom prst="rightArrow">
+            <a:avLst/>
+          </a:prstGeom>
+          <a:noFill/>
+          <a:ln>
+            <a:solidFill>
+              <a:schemeClr val="tx1"/>
+            </a:solidFill>
+          </a:ln>
+        </p:spPr>
+        <p:style>
+          <a:lnRef idx="2">
+            <a:schemeClr val="accent1">
+              <a:shade val="50000"/>
+            </a:schemeClr>
+          </a:lnRef>
+          <a:fillRef idx="1">
+            <a:schemeClr val="accent1"/>
+          </a:fillRef>
+          <a:effectRef idx="0">
+            <a:schemeClr val="accent1"/>
+          </a:effectRef>
+          <a:fontRef idx="minor">
+            <a:schemeClr val="lt1"/>
+          </a:fontRef>
+        </p:style>
+        <p:txBody>
+          <a:bodyPr rtlCol="0" anchor="ctr"/>
+          <a:lstStyle/>
+          <a:p>
+            <a:pPr algn="ctr"/>
+            <a:endParaRPr lang="en-US"/>
+          </a:p>
+        </p:txBody>
+      </p:sp>
+      <p:sp>
+        <p:nvSpPr>
+          <p:cNvPr id="15" name="Right Arrow 14">
+            <a:extLst>
+              <a:ext uri="{FF2B5EF4-FFF2-40B4-BE49-F238E27FC236}">
+                <a16:creationId xmlns:a16="http://schemas.microsoft.com/office/drawing/2014/main" id="{FD715B10-02DC-13B9-6FBA-8F417EF2BD29}"/>
+              </a:ext>
+            </a:extLst>
+          </p:cNvPr>
+          <p:cNvSpPr/>
+          <p:nvPr/>
+        </p:nvSpPr>
+        <p:spPr>
+          <a:xfrm>
+            <a:off x="5641202" y="3432775"/>
+            <a:ext cx="762000" cy="372762"/>
+          </a:xfrm>
+          <a:prstGeom prst="rightArrow">
+            <a:avLst/>
+          </a:prstGeom>
+          <a:noFill/>
+          <a:ln>
+            <a:solidFill>
+              <a:schemeClr val="tx1"/>
+            </a:solidFill>
+          </a:ln>
+        </p:spPr>
+        <p:style>
+          <a:lnRef idx="2">
+            <a:schemeClr val="accent1">
+              <a:shade val="50000"/>
+            </a:schemeClr>
+          </a:lnRef>
+          <a:fillRef idx="1">
+            <a:schemeClr val="accent1"/>
+          </a:fillRef>
+          <a:effectRef idx="0">
+            <a:schemeClr val="accent1"/>
+          </a:effectRef>
+          <a:fontRef idx="minor">
+            <a:schemeClr val="lt1"/>
+          </a:fontRef>
+        </p:style>
+        <p:txBody>
+          <a:bodyPr rtlCol="0" anchor="ctr"/>
+          <a:lstStyle/>
+          <a:p>
+            <a:pPr algn="ctr"/>
+            <a:endParaRPr lang="en-US"/>
+          </a:p>
+        </p:txBody>
+      </p:sp>
+      <p:sp>
+        <p:nvSpPr>
+          <p:cNvPr id="16" name="Right Arrow 15">
+            <a:extLst>
+              <a:ext uri="{FF2B5EF4-FFF2-40B4-BE49-F238E27FC236}">
+                <a16:creationId xmlns:a16="http://schemas.microsoft.com/office/drawing/2014/main" id="{92FDA675-1FE2-1405-FBC4-A346123B4FA2}"/>
+              </a:ext>
+            </a:extLst>
+          </p:cNvPr>
+          <p:cNvSpPr/>
+          <p:nvPr/>
+        </p:nvSpPr>
+        <p:spPr>
+          <a:xfrm>
+            <a:off x="3669122" y="3432775"/>
+            <a:ext cx="762000" cy="372762"/>
+          </a:xfrm>
+          <a:prstGeom prst="rightArrow">
+            <a:avLst/>
+          </a:prstGeom>
+          <a:noFill/>
+          <a:ln>
+            <a:solidFill>
+              <a:schemeClr val="tx1"/>
+            </a:solidFill>
+          </a:ln>
+        </p:spPr>
+        <p:style>
+          <a:lnRef idx="2">
+            <a:schemeClr val="accent1">
+              <a:shade val="50000"/>
+            </a:schemeClr>
+          </a:lnRef>
+          <a:fillRef idx="1">
+            <a:schemeClr val="accent1"/>
+          </a:fillRef>
+          <a:effectRef idx="0">
+            <a:schemeClr val="accent1"/>
+          </a:effectRef>
+          <a:fontRef idx="minor">
+            <a:schemeClr val="lt1"/>
+          </a:fontRef>
+        </p:style>
+        <p:txBody>
+          <a:bodyPr rtlCol="0" anchor="ctr"/>
+          <a:lstStyle/>
+          <a:p>
+            <a:pPr algn="ctr"/>
+            <a:endParaRPr lang="en-US"/>
+          </a:p>
+        </p:txBody>
+      </p:sp>
+      <p:sp>
+        <p:nvSpPr>
+          <p:cNvPr id="14" name="Right Arrow 13">
+            <a:extLst>
+              <a:ext uri="{FF2B5EF4-FFF2-40B4-BE49-F238E27FC236}">
+                <a16:creationId xmlns:a16="http://schemas.microsoft.com/office/drawing/2014/main" id="{F68135E8-BB00-13E7-8258-B50331858FB6}"/>
+              </a:ext>
+            </a:extLst>
+          </p:cNvPr>
+          <p:cNvSpPr/>
+          <p:nvPr/>
+        </p:nvSpPr>
+        <p:spPr>
+          <a:xfrm>
+            <a:off x="7780413" y="3432775"/>
+            <a:ext cx="762000" cy="372762"/>
+          </a:xfrm>
+          <a:prstGeom prst="rightArrow">
+            <a:avLst/>
+          </a:prstGeom>
+          <a:noFill/>
+          <a:ln>
+            <a:solidFill>
+              <a:schemeClr val="tx1"/>
+            </a:solidFill>
+          </a:ln>
+        </p:spPr>
+        <p:style>
+          <a:lnRef idx="2">
+            <a:schemeClr val="accent1">
+              <a:shade val="50000"/>
+            </a:schemeClr>
+          </a:lnRef>
+          <a:fillRef idx="1">
+            <a:schemeClr val="accent1"/>
+          </a:fillRef>
+          <a:effectRef idx="0">
+            <a:schemeClr val="accent1"/>
+          </a:effectRef>
+          <a:fontRef idx="minor">
+            <a:schemeClr val="lt1"/>
+          </a:fontRef>
+        </p:style>
+        <p:txBody>
+          <a:bodyPr rtlCol="0" anchor="ctr"/>
+          <a:lstStyle/>
+          <a:p>
+            <a:pPr algn="ctr"/>
+            <a:endParaRPr lang="en-US"/>
+          </a:p>
+        </p:txBody>
+      </p:sp>
+      <p:pic>
+        <p:nvPicPr>
+          <p:cNvPr id="5" name="Picture 4" descr="Graphical user interface&#10;&#10;Description automatically generated">
+            <a:extLst>
+              <a:ext uri="{FF2B5EF4-FFF2-40B4-BE49-F238E27FC236}">
+                <a16:creationId xmlns:a16="http://schemas.microsoft.com/office/drawing/2014/main" id="{39F1D852-6E65-1F8C-9BB6-7D402F9FD2B8}"/>
+              </a:ext>
+            </a:extLst>
+          </p:cNvPr>
+          <p:cNvPicPr>
+            <a:picLocks noChangeAspect="1"/>
+          </p:cNvPicPr>
+          <p:nvPr/>
+        </p:nvPicPr>
+        <p:blipFill>
+          <a:blip r:embed="rId2"/>
+          <a:stretch>
+            <a:fillRect/>
+          </a:stretch>
+        </p:blipFill>
+        <p:spPr>
+          <a:xfrm>
+            <a:off x="8479410" y="2425357"/>
+            <a:ext cx="3175000" cy="2387600"/>
+          </a:xfrm>
+          <a:prstGeom prst="rect">
+            <a:avLst/>
+          </a:prstGeom>
+        </p:spPr>
+      </p:pic>
+      <p:sp>
+        <p:nvSpPr>
+          <p:cNvPr id="6" name="Rectangle 5">
+            <a:extLst>
+              <a:ext uri="{FF2B5EF4-FFF2-40B4-BE49-F238E27FC236}">
+                <a16:creationId xmlns:a16="http://schemas.microsoft.com/office/drawing/2014/main" id="{0D6C5577-E859-20AF-4FB9-714620B8B8F4}"/>
+              </a:ext>
+            </a:extLst>
+          </p:cNvPr>
+          <p:cNvSpPr/>
+          <p:nvPr/>
+        </p:nvSpPr>
+        <p:spPr>
+          <a:xfrm>
+            <a:off x="364280" y="2819400"/>
+            <a:ext cx="1173892" cy="1050324"/>
+          </a:xfrm>
+          <a:prstGeom prst="rect">
+            <a:avLst/>
           </a:prstGeom>
           <a:solidFill>
             <a:schemeClr val="bg1">
@@ -3027,23 +3611,16 @@
           <a:lstStyle/>
           <a:p>
             <a:pPr algn="ctr"/>
-            <a:r>
-              <a:rPr lang="en-US" dirty="0">
-                <a:solidFill>
-                  <a:schemeClr val="tx1"/>
-                </a:solidFill>
-              </a:rPr>
-              <a:t>Depth Composite</a:t>
-            </a:r>
-          </a:p>
-        </p:txBody>
-      </p:sp>
-      <p:sp>
-        <p:nvSpPr>
-          <p:cNvPr id="101" name="Rounded Rectangle 100">
-            <a:extLst>
-              <a:ext uri="{FF2B5EF4-FFF2-40B4-BE49-F238E27FC236}">
-                <a16:creationId xmlns:a16="http://schemas.microsoft.com/office/drawing/2014/main" id="{26340B6F-7F9F-EBBE-F676-1C6787A5B86A}"/>
+            <a:endParaRPr lang="en-US"/>
+          </a:p>
+        </p:txBody>
+      </p:sp>
+      <p:sp>
+        <p:nvSpPr>
+          <p:cNvPr id="7" name="Rectangle 6">
+            <a:extLst>
+              <a:ext uri="{FF2B5EF4-FFF2-40B4-BE49-F238E27FC236}">
+                <a16:creationId xmlns:a16="http://schemas.microsoft.com/office/drawing/2014/main" id="{3CDC1397-7309-E3CC-FB61-4BBB46C7AA43}"/>
               </a:ext>
             </a:extLst>
           </p:cNvPr>
@@ -3052,13 +3629,11 @@
         </p:nvSpPr>
         <p:spPr>
           <a:xfrm>
-            <a:off x="4551887" y="671777"/>
-            <a:ext cx="1838113" cy="1369164"/>
+            <a:off x="516680" y="2971800"/>
+            <a:ext cx="1173892" cy="1050324"/>
           </a:xfrm>
-          <a:prstGeom prst="roundRect">
-            <a:avLst>
-              <a:gd name="adj" fmla="val 8924"/>
-            </a:avLst>
+          <a:prstGeom prst="rect">
+            <a:avLst/>
           </a:prstGeom>
           <a:solidFill>
             <a:schemeClr val="bg1">
@@ -3092,23 +3667,16 @@
           <a:lstStyle/>
           <a:p>
             <a:pPr algn="ctr"/>
-            <a:r>
-              <a:rPr lang="en-US" dirty="0">
-                <a:solidFill>
-                  <a:schemeClr val="tx1"/>
-                </a:solidFill>
-              </a:rPr>
-              <a:t>Image Render</a:t>
-            </a:r>
-          </a:p>
-        </p:txBody>
-      </p:sp>
-      <p:sp>
-        <p:nvSpPr>
-          <p:cNvPr id="10" name="Rectangle 9">
-            <a:extLst>
-              <a:ext uri="{FF2B5EF4-FFF2-40B4-BE49-F238E27FC236}">
-                <a16:creationId xmlns:a16="http://schemas.microsoft.com/office/drawing/2014/main" id="{08DF4823-A1F3-CA4E-A759-59E7BD9FFEB4}"/>
+            <a:endParaRPr lang="en-US"/>
+          </a:p>
+        </p:txBody>
+      </p:sp>
+      <p:sp>
+        <p:nvSpPr>
+          <p:cNvPr id="8" name="Rectangle 7">
+            <a:extLst>
+              <a:ext uri="{FF2B5EF4-FFF2-40B4-BE49-F238E27FC236}">
+                <a16:creationId xmlns:a16="http://schemas.microsoft.com/office/drawing/2014/main" id="{9839BF41-5A34-208B-F8FB-FCE590AC174D}"/>
               </a:ext>
             </a:extLst>
           </p:cNvPr>
@@ -3117,1421 +3685,11 @@
         </p:nvSpPr>
         <p:spPr>
           <a:xfrm>
-            <a:off x="1113615" y="915285"/>
-            <a:ext cx="520267" cy="534827"/>
+            <a:off x="669080" y="3124200"/>
+            <a:ext cx="1173892" cy="1050324"/>
           </a:xfrm>
           <a:prstGeom prst="rect">
             <a:avLst/>
-          </a:prstGeom>
-          <a:noFill/>
-          <a:ln>
-            <a:prstDash val="solid"/>
-          </a:ln>
-        </p:spPr>
-        <p:style>
-          <a:lnRef idx="2">
-            <a:schemeClr val="accent1">
-              <a:shade val="50000"/>
-            </a:schemeClr>
-          </a:lnRef>
-          <a:fillRef idx="1">
-            <a:schemeClr val="accent1"/>
-          </a:fillRef>
-          <a:effectRef idx="0">
-            <a:schemeClr val="accent1"/>
-          </a:effectRef>
-          <a:fontRef idx="minor">
-            <a:schemeClr val="lt1"/>
-          </a:fontRef>
-        </p:style>
-        <p:txBody>
-          <a:bodyPr rtlCol="0" anchor="ctr"/>
-          <a:lstStyle/>
-          <a:p>
-            <a:pPr algn="ctr"/>
-            <a:endParaRPr lang="en-US"/>
-          </a:p>
-        </p:txBody>
-      </p:sp>
-      <p:sp>
-        <p:nvSpPr>
-          <p:cNvPr id="50" name="Rectangle 49">
-            <a:extLst>
-              <a:ext uri="{FF2B5EF4-FFF2-40B4-BE49-F238E27FC236}">
-                <a16:creationId xmlns:a16="http://schemas.microsoft.com/office/drawing/2014/main" id="{2D529848-E699-BA43-83F7-A3ADDB190593}"/>
-              </a:ext>
-            </a:extLst>
-          </p:cNvPr>
-          <p:cNvSpPr/>
-          <p:nvPr/>
-        </p:nvSpPr>
-        <p:spPr>
-          <a:xfrm>
-            <a:off x="904330" y="651292"/>
-            <a:ext cx="1838113" cy="1369164"/>
-          </a:xfrm>
-          <a:prstGeom prst="rect">
-            <a:avLst/>
-          </a:prstGeom>
-          <a:noFill/>
-          <a:ln w="19050">
-            <a:solidFill>
-              <a:schemeClr val="tx1"/>
-            </a:solidFill>
-            <a:prstDash val="lgDash"/>
-          </a:ln>
-          <a:effectLst/>
-        </p:spPr>
-        <p:style>
-          <a:lnRef idx="2">
-            <a:schemeClr val="accent1">
-              <a:shade val="50000"/>
-            </a:schemeClr>
-          </a:lnRef>
-          <a:fillRef idx="1">
-            <a:schemeClr val="accent1"/>
-          </a:fillRef>
-          <a:effectRef idx="0">
-            <a:schemeClr val="accent1"/>
-          </a:effectRef>
-          <a:fontRef idx="minor">
-            <a:schemeClr val="lt1"/>
-          </a:fontRef>
-        </p:style>
-        <p:txBody>
-          <a:bodyPr rtlCol="0" anchor="ctr"/>
-          <a:lstStyle/>
-          <a:p>
-            <a:pPr algn="ctr"/>
-            <a:endParaRPr lang="en-US"/>
-          </a:p>
-        </p:txBody>
-      </p:sp>
-      <p:sp>
-        <p:nvSpPr>
-          <p:cNvPr id="51" name="Oval 50">
-            <a:extLst>
-              <a:ext uri="{FF2B5EF4-FFF2-40B4-BE49-F238E27FC236}">
-                <a16:creationId xmlns:a16="http://schemas.microsoft.com/office/drawing/2014/main" id="{47E68D55-9E4D-3346-8D11-334D6C6C7FF4}"/>
-              </a:ext>
-            </a:extLst>
-          </p:cNvPr>
-          <p:cNvSpPr/>
-          <p:nvPr/>
-        </p:nvSpPr>
-        <p:spPr>
-          <a:xfrm>
-            <a:off x="1113615" y="915285"/>
-            <a:ext cx="520267" cy="520267"/>
-          </a:xfrm>
-          <a:prstGeom prst="ellipse">
-            <a:avLst/>
-          </a:prstGeom>
-          <a:solidFill>
-            <a:schemeClr val="bg2">
-              <a:lumMod val="75000"/>
-            </a:schemeClr>
-          </a:solidFill>
-          <a:ln>
-            <a:solidFill>
-              <a:schemeClr val="tx1"/>
-            </a:solidFill>
-          </a:ln>
-        </p:spPr>
-        <p:style>
-          <a:lnRef idx="2">
-            <a:schemeClr val="accent1">
-              <a:shade val="50000"/>
-            </a:schemeClr>
-          </a:lnRef>
-          <a:fillRef idx="1">
-            <a:schemeClr val="accent1"/>
-          </a:fillRef>
-          <a:effectRef idx="0">
-            <a:schemeClr val="accent1"/>
-          </a:effectRef>
-          <a:fontRef idx="minor">
-            <a:schemeClr val="lt1"/>
-          </a:fontRef>
-        </p:style>
-        <p:txBody>
-          <a:bodyPr rtlCol="0" anchor="ctr"/>
-          <a:lstStyle/>
-          <a:p>
-            <a:pPr algn="ctr"/>
-            <a:endParaRPr lang="en-US"/>
-          </a:p>
-        </p:txBody>
-      </p:sp>
-      <p:sp>
-        <p:nvSpPr>
-          <p:cNvPr id="63" name="Rectangle 62">
-            <a:extLst>
-              <a:ext uri="{FF2B5EF4-FFF2-40B4-BE49-F238E27FC236}">
-                <a16:creationId xmlns:a16="http://schemas.microsoft.com/office/drawing/2014/main" id="{D2F51C41-FD20-4343-83D3-644293683A30}"/>
-              </a:ext>
-            </a:extLst>
-          </p:cNvPr>
-          <p:cNvSpPr/>
-          <p:nvPr/>
-        </p:nvSpPr>
-        <p:spPr>
-          <a:xfrm>
-            <a:off x="918145" y="2573880"/>
-            <a:ext cx="1850051" cy="1369164"/>
-          </a:xfrm>
-          <a:prstGeom prst="rect">
-            <a:avLst/>
-          </a:prstGeom>
-          <a:noFill/>
-          <a:ln w="19050">
-            <a:solidFill>
-              <a:schemeClr val="tx1"/>
-            </a:solidFill>
-            <a:prstDash val="lgDash"/>
-          </a:ln>
-          <a:effectLst/>
-        </p:spPr>
-        <p:style>
-          <a:lnRef idx="2">
-            <a:schemeClr val="accent1">
-              <a:shade val="50000"/>
-            </a:schemeClr>
-          </a:lnRef>
-          <a:fillRef idx="1">
-            <a:schemeClr val="accent1"/>
-          </a:fillRef>
-          <a:effectRef idx="0">
-            <a:schemeClr val="accent1"/>
-          </a:effectRef>
-          <a:fontRef idx="minor">
-            <a:schemeClr val="lt1"/>
-          </a:fontRef>
-        </p:style>
-        <p:txBody>
-          <a:bodyPr rtlCol="0" anchor="ctr"/>
-          <a:lstStyle/>
-          <a:p>
-            <a:pPr algn="ctr"/>
-            <a:endParaRPr lang="en-US"/>
-          </a:p>
-        </p:txBody>
-      </p:sp>
-      <p:sp>
-        <p:nvSpPr>
-          <p:cNvPr id="72" name="TextBox 71">
-            <a:extLst>
-              <a:ext uri="{FF2B5EF4-FFF2-40B4-BE49-F238E27FC236}">
-                <a16:creationId xmlns:a16="http://schemas.microsoft.com/office/drawing/2014/main" id="{A46EA078-E159-0247-8C18-F3F063C49095}"/>
-              </a:ext>
-            </a:extLst>
-          </p:cNvPr>
-          <p:cNvSpPr txBox="1"/>
-          <p:nvPr/>
-        </p:nvSpPr>
-        <p:spPr>
-          <a:xfrm>
-            <a:off x="892391" y="2019141"/>
-            <a:ext cx="1850052" cy="369332"/>
-          </a:xfrm>
-          <a:prstGeom prst="rect">
-            <a:avLst/>
-          </a:prstGeom>
-          <a:noFill/>
-        </p:spPr>
-        <p:txBody>
-          <a:bodyPr wrap="square" rtlCol="0">
-            <a:spAutoFit/>
-          </a:bodyPr>
-          <a:lstStyle/>
-          <a:p>
-            <a:pPr algn="ctr"/>
-            <a:r>
-              <a:rPr lang="en-US" dirty="0"/>
-              <a:t>circle channel</a:t>
-            </a:r>
-          </a:p>
-        </p:txBody>
-      </p:sp>
-      <p:sp>
-        <p:nvSpPr>
-          <p:cNvPr id="73" name="TextBox 72">
-            <a:extLst>
-              <a:ext uri="{FF2B5EF4-FFF2-40B4-BE49-F238E27FC236}">
-                <a16:creationId xmlns:a16="http://schemas.microsoft.com/office/drawing/2014/main" id="{EE24E9DE-00F9-2944-A12C-DC5A6520E0B1}"/>
-              </a:ext>
-            </a:extLst>
-          </p:cNvPr>
-          <p:cNvSpPr txBox="1"/>
-          <p:nvPr/>
-        </p:nvSpPr>
-        <p:spPr>
-          <a:xfrm>
-            <a:off x="656207" y="3939800"/>
-            <a:ext cx="2373923" cy="369332"/>
-          </a:xfrm>
-          <a:prstGeom prst="rect">
-            <a:avLst/>
-          </a:prstGeom>
-          <a:noFill/>
-        </p:spPr>
-        <p:txBody>
-          <a:bodyPr wrap="square" rtlCol="0">
-            <a:spAutoFit/>
-          </a:bodyPr>
-          <a:lstStyle/>
-          <a:p>
-            <a:pPr algn="ctr"/>
-            <a:r>
-              <a:rPr lang="en-US" dirty="0"/>
-              <a:t>parallelogram channel</a:t>
-            </a:r>
-          </a:p>
-        </p:txBody>
-      </p:sp>
-      <p:sp>
-        <p:nvSpPr>
-          <p:cNvPr id="11" name="Parallelogram 10">
-            <a:extLst>
-              <a:ext uri="{FF2B5EF4-FFF2-40B4-BE49-F238E27FC236}">
-                <a16:creationId xmlns:a16="http://schemas.microsoft.com/office/drawing/2014/main" id="{7CCC5FFB-1104-F14C-ADCB-9719B44A5C84}"/>
-              </a:ext>
-            </a:extLst>
-          </p:cNvPr>
-          <p:cNvSpPr/>
-          <p:nvPr/>
-        </p:nvSpPr>
-        <p:spPr>
-          <a:xfrm>
-            <a:off x="1528450" y="2986189"/>
-            <a:ext cx="629439" cy="544549"/>
-          </a:xfrm>
-          <a:prstGeom prst="parallelogram">
-            <a:avLst/>
-          </a:prstGeom>
-          <a:solidFill>
-            <a:schemeClr val="bg2">
-              <a:lumMod val="75000"/>
-            </a:schemeClr>
-          </a:solidFill>
-        </p:spPr>
-        <p:style>
-          <a:lnRef idx="2">
-            <a:schemeClr val="accent1">
-              <a:shade val="50000"/>
-            </a:schemeClr>
-          </a:lnRef>
-          <a:fillRef idx="1">
-            <a:schemeClr val="accent1"/>
-          </a:fillRef>
-          <a:effectRef idx="0">
-            <a:schemeClr val="accent1"/>
-          </a:effectRef>
-          <a:fontRef idx="minor">
-            <a:schemeClr val="lt1"/>
-          </a:fontRef>
-        </p:style>
-        <p:txBody>
-          <a:bodyPr rtlCol="0" anchor="ctr"/>
-          <a:lstStyle/>
-          <a:p>
-            <a:pPr algn="ctr"/>
-            <a:endParaRPr lang="en-US"/>
-          </a:p>
-        </p:txBody>
-      </p:sp>
-      <p:sp>
-        <p:nvSpPr>
-          <p:cNvPr id="43" name="Rectangle 42">
-            <a:extLst>
-              <a:ext uri="{FF2B5EF4-FFF2-40B4-BE49-F238E27FC236}">
-                <a16:creationId xmlns:a16="http://schemas.microsoft.com/office/drawing/2014/main" id="{7F78BDED-42BD-AB46-AA61-0518D9D85182}"/>
-              </a:ext>
-            </a:extLst>
-          </p:cNvPr>
-          <p:cNvSpPr/>
-          <p:nvPr/>
-        </p:nvSpPr>
-        <p:spPr>
-          <a:xfrm>
-            <a:off x="1528450" y="2982943"/>
-            <a:ext cx="629439" cy="547794"/>
-          </a:xfrm>
-          <a:prstGeom prst="rect">
-            <a:avLst/>
-          </a:prstGeom>
-          <a:noFill/>
-          <a:ln>
-            <a:prstDash val="solid"/>
-          </a:ln>
-        </p:spPr>
-        <p:style>
-          <a:lnRef idx="2">
-            <a:schemeClr val="accent1">
-              <a:shade val="50000"/>
-            </a:schemeClr>
-          </a:lnRef>
-          <a:fillRef idx="1">
-            <a:schemeClr val="accent1"/>
-          </a:fillRef>
-          <a:effectRef idx="0">
-            <a:schemeClr val="accent1"/>
-          </a:effectRef>
-          <a:fontRef idx="minor">
-            <a:schemeClr val="lt1"/>
-          </a:fontRef>
-        </p:style>
-        <p:txBody>
-          <a:bodyPr rtlCol="0" anchor="ctr"/>
-          <a:lstStyle/>
-          <a:p>
-            <a:pPr algn="ctr"/>
-            <a:endParaRPr lang="en-US"/>
-          </a:p>
-        </p:txBody>
-      </p:sp>
-      <p:cxnSp>
-        <p:nvCxnSpPr>
-          <p:cNvPr id="3" name="Straight Arrow Connector 2">
-            <a:extLst>
-              <a:ext uri="{FF2B5EF4-FFF2-40B4-BE49-F238E27FC236}">
-                <a16:creationId xmlns:a16="http://schemas.microsoft.com/office/drawing/2014/main" id="{F16760E1-4958-7A3F-B75D-357444BE6B01}"/>
-              </a:ext>
-            </a:extLst>
-          </p:cNvPr>
-          <p:cNvCxnSpPr>
-            <a:cxnSpLocks/>
-            <a:stCxn id="101" idx="3"/>
-          </p:cNvCxnSpPr>
-          <p:nvPr/>
-        </p:nvCxnSpPr>
-        <p:spPr>
-          <a:xfrm>
-            <a:off x="6389999" y="1356360"/>
-            <a:ext cx="4475492" cy="1239321"/>
-          </a:xfrm>
-          <a:prstGeom prst="straightConnector1">
-            <a:avLst/>
-          </a:prstGeom>
-          <a:ln w="25400">
-            <a:solidFill>
-              <a:schemeClr val="tx1"/>
-            </a:solidFill>
-            <a:tailEnd type="stealth" w="lg" len="lg"/>
-          </a:ln>
-        </p:spPr>
-        <p:style>
-          <a:lnRef idx="1">
-            <a:schemeClr val="accent1"/>
-          </a:lnRef>
-          <a:fillRef idx="0">
-            <a:schemeClr val="accent1"/>
-          </a:fillRef>
-          <a:effectRef idx="0">
-            <a:schemeClr val="accent1"/>
-          </a:effectRef>
-          <a:fontRef idx="minor">
-            <a:schemeClr val="tx1"/>
-          </a:fontRef>
-        </p:style>
-      </p:cxnSp>
-      <p:cxnSp>
-        <p:nvCxnSpPr>
-          <p:cNvPr id="52" name="Straight Arrow Connector 51">
-            <a:extLst>
-              <a:ext uri="{FF2B5EF4-FFF2-40B4-BE49-F238E27FC236}">
-                <a16:creationId xmlns:a16="http://schemas.microsoft.com/office/drawing/2014/main" id="{6BA88185-6051-0301-6F14-098D8EF5DE7D}"/>
-              </a:ext>
-            </a:extLst>
-          </p:cNvPr>
-          <p:cNvCxnSpPr>
-            <a:cxnSpLocks/>
-            <a:stCxn id="102" idx="3"/>
-          </p:cNvCxnSpPr>
-          <p:nvPr/>
-        </p:nvCxnSpPr>
-        <p:spPr>
-          <a:xfrm flipV="1">
-            <a:off x="6384285" y="2595680"/>
-            <a:ext cx="4481206" cy="678484"/>
-          </a:xfrm>
-          <a:prstGeom prst="straightConnector1">
-            <a:avLst/>
-          </a:prstGeom>
-          <a:ln w="25400">
-            <a:solidFill>
-              <a:schemeClr val="tx1"/>
-            </a:solidFill>
-            <a:tailEnd type="stealth" w="lg" len="lg"/>
-          </a:ln>
-        </p:spPr>
-        <p:style>
-          <a:lnRef idx="1">
-            <a:schemeClr val="accent1"/>
-          </a:lnRef>
-          <a:fillRef idx="0">
-            <a:schemeClr val="accent1"/>
-          </a:fillRef>
-          <a:effectRef idx="0">
-            <a:schemeClr val="accent1"/>
-          </a:effectRef>
-          <a:fontRef idx="minor">
-            <a:schemeClr val="tx1"/>
-          </a:fontRef>
-        </p:style>
-      </p:cxnSp>
-      <p:sp>
-        <p:nvSpPr>
-          <p:cNvPr id="54" name="TextBox 53">
-            <a:extLst>
-              <a:ext uri="{FF2B5EF4-FFF2-40B4-BE49-F238E27FC236}">
-                <a16:creationId xmlns:a16="http://schemas.microsoft.com/office/drawing/2014/main" id="{CDA8D62B-E10A-ADC7-9A87-CAA01A401B4D}"/>
-              </a:ext>
-            </a:extLst>
-          </p:cNvPr>
-          <p:cNvSpPr txBox="1"/>
-          <p:nvPr/>
-        </p:nvSpPr>
-        <p:spPr>
-          <a:xfrm>
-            <a:off x="3038035" y="651293"/>
-            <a:ext cx="1162963" cy="646331"/>
-          </a:xfrm>
-          <a:prstGeom prst="rect">
-            <a:avLst/>
-          </a:prstGeom>
-          <a:noFill/>
-        </p:spPr>
-        <p:txBody>
-          <a:bodyPr wrap="square" rtlCol="0">
-            <a:spAutoFit/>
-          </a:bodyPr>
-          <a:lstStyle/>
-          <a:p>
-            <a:pPr algn="ctr"/>
-            <a:r>
-              <a:rPr lang="en-US" dirty="0"/>
-              <a:t>Coloring Operation</a:t>
-            </a:r>
-          </a:p>
-        </p:txBody>
-      </p:sp>
-      <p:cxnSp>
-        <p:nvCxnSpPr>
-          <p:cNvPr id="60" name="Straight Arrow Connector 59">
-            <a:extLst>
-              <a:ext uri="{FF2B5EF4-FFF2-40B4-BE49-F238E27FC236}">
-                <a16:creationId xmlns:a16="http://schemas.microsoft.com/office/drawing/2014/main" id="{CE93304A-0D58-1A9D-6CF2-E202F8CB1F7E}"/>
-              </a:ext>
-            </a:extLst>
-          </p:cNvPr>
-          <p:cNvCxnSpPr>
-            <a:cxnSpLocks/>
-            <a:stCxn id="50" idx="3"/>
-          </p:cNvCxnSpPr>
-          <p:nvPr/>
-        </p:nvCxnSpPr>
-        <p:spPr>
-          <a:xfrm>
-            <a:off x="2742443" y="1335874"/>
-            <a:ext cx="1810977" cy="0"/>
-          </a:xfrm>
-          <a:prstGeom prst="straightConnector1">
-            <a:avLst/>
-          </a:prstGeom>
-          <a:ln w="25400">
-            <a:solidFill>
-              <a:schemeClr val="tx1"/>
-            </a:solidFill>
-            <a:tailEnd type="stealth" w="lg" len="lg"/>
-          </a:ln>
-        </p:spPr>
-        <p:style>
-          <a:lnRef idx="1">
-            <a:schemeClr val="accent1"/>
-          </a:lnRef>
-          <a:fillRef idx="0">
-            <a:schemeClr val="accent1"/>
-          </a:fillRef>
-          <a:effectRef idx="0">
-            <a:schemeClr val="accent1"/>
-          </a:effectRef>
-          <a:fontRef idx="minor">
-            <a:schemeClr val="tx1"/>
-          </a:fontRef>
-        </p:style>
-      </p:cxnSp>
-      <p:sp>
-        <p:nvSpPr>
-          <p:cNvPr id="65" name="TextBox 64">
-            <a:extLst>
-              <a:ext uri="{FF2B5EF4-FFF2-40B4-BE49-F238E27FC236}">
-                <a16:creationId xmlns:a16="http://schemas.microsoft.com/office/drawing/2014/main" id="{2D8A3D52-2D91-3936-9F90-B1D4EF51AED4}"/>
-              </a:ext>
-            </a:extLst>
-          </p:cNvPr>
-          <p:cNvSpPr txBox="1"/>
-          <p:nvPr/>
-        </p:nvSpPr>
-        <p:spPr>
-          <a:xfrm>
-            <a:off x="3061135" y="2573882"/>
-            <a:ext cx="1162963" cy="646331"/>
-          </a:xfrm>
-          <a:prstGeom prst="rect">
-            <a:avLst/>
-          </a:prstGeom>
-          <a:noFill/>
-        </p:spPr>
-        <p:txBody>
-          <a:bodyPr wrap="square" rtlCol="0">
-            <a:spAutoFit/>
-          </a:bodyPr>
-          <a:lstStyle/>
-          <a:p>
-            <a:pPr algn="ctr"/>
-            <a:r>
-              <a:rPr lang="en-US" dirty="0"/>
-              <a:t>Coloring Operation</a:t>
-            </a:r>
-          </a:p>
-        </p:txBody>
-      </p:sp>
-      <p:cxnSp>
-        <p:nvCxnSpPr>
-          <p:cNvPr id="66" name="Straight Arrow Connector 65">
-            <a:extLst>
-              <a:ext uri="{FF2B5EF4-FFF2-40B4-BE49-F238E27FC236}">
-                <a16:creationId xmlns:a16="http://schemas.microsoft.com/office/drawing/2014/main" id="{6C8D531B-0C0C-09AA-F89A-16181C5DBCD1}"/>
-              </a:ext>
-            </a:extLst>
-          </p:cNvPr>
-          <p:cNvCxnSpPr>
-            <a:cxnSpLocks/>
-            <a:stCxn id="63" idx="3"/>
-          </p:cNvCxnSpPr>
-          <p:nvPr/>
-        </p:nvCxnSpPr>
-        <p:spPr>
-          <a:xfrm>
-            <a:off x="2768196" y="3258462"/>
-            <a:ext cx="1799039" cy="0"/>
-          </a:xfrm>
-          <a:prstGeom prst="straightConnector1">
-            <a:avLst/>
-          </a:prstGeom>
-          <a:ln w="25400">
-            <a:solidFill>
-              <a:schemeClr val="tx1"/>
-            </a:solidFill>
-            <a:tailEnd type="stealth" w="lg" len="lg"/>
-          </a:ln>
-        </p:spPr>
-        <p:style>
-          <a:lnRef idx="1">
-            <a:schemeClr val="accent1"/>
-          </a:lnRef>
-          <a:fillRef idx="0">
-            <a:schemeClr val="accent1"/>
-          </a:fillRef>
-          <a:effectRef idx="0">
-            <a:schemeClr val="accent1"/>
-          </a:effectRef>
-          <a:fontRef idx="minor">
-            <a:schemeClr val="tx1"/>
-          </a:fontRef>
-        </p:style>
-      </p:cxnSp>
-      <p:cxnSp>
-        <p:nvCxnSpPr>
-          <p:cNvPr id="32" name="Straight Arrow Connector 31">
-            <a:extLst>
-              <a:ext uri="{FF2B5EF4-FFF2-40B4-BE49-F238E27FC236}">
-                <a16:creationId xmlns:a16="http://schemas.microsoft.com/office/drawing/2014/main" id="{FEDF9419-BE7B-2092-9253-E3955CAA479A}"/>
-              </a:ext>
-            </a:extLst>
-          </p:cNvPr>
-          <p:cNvCxnSpPr>
-            <a:cxnSpLocks/>
-          </p:cNvCxnSpPr>
-          <p:nvPr/>
-        </p:nvCxnSpPr>
-        <p:spPr>
-          <a:xfrm flipV="1">
-            <a:off x="12703604" y="2594806"/>
-            <a:ext cx="1250058" cy="874"/>
-          </a:xfrm>
-          <a:prstGeom prst="straightConnector1">
-            <a:avLst/>
-          </a:prstGeom>
-          <a:ln w="25400">
-            <a:solidFill>
-              <a:schemeClr val="tx1"/>
-            </a:solidFill>
-            <a:tailEnd type="stealth" w="lg" len="lg"/>
-          </a:ln>
-        </p:spPr>
-        <p:style>
-          <a:lnRef idx="1">
-            <a:schemeClr val="accent1"/>
-          </a:lnRef>
-          <a:fillRef idx="0">
-            <a:schemeClr val="accent1"/>
-          </a:fillRef>
-          <a:effectRef idx="0">
-            <a:schemeClr val="accent1"/>
-          </a:effectRef>
-          <a:fontRef idx="minor">
-            <a:schemeClr val="tx1"/>
-          </a:fontRef>
-        </p:style>
-      </p:cxnSp>
-      <p:sp>
-        <p:nvSpPr>
-          <p:cNvPr id="47" name="Rectangle 46">
-            <a:extLst>
-              <a:ext uri="{FF2B5EF4-FFF2-40B4-BE49-F238E27FC236}">
-                <a16:creationId xmlns:a16="http://schemas.microsoft.com/office/drawing/2014/main" id="{D479FB57-A5E6-69AC-0FC2-D8F52BFE7ECF}"/>
-              </a:ext>
-            </a:extLst>
-          </p:cNvPr>
-          <p:cNvSpPr/>
-          <p:nvPr/>
-        </p:nvSpPr>
-        <p:spPr>
-          <a:xfrm>
-            <a:off x="12393392" y="4720290"/>
-            <a:ext cx="1838113" cy="1369164"/>
-          </a:xfrm>
-          <a:prstGeom prst="rect">
-            <a:avLst/>
-          </a:prstGeom>
-          <a:noFill/>
-          <a:ln w="19050">
-            <a:solidFill>
-              <a:schemeClr val="tx1"/>
-            </a:solidFill>
-            <a:prstDash val="solid"/>
-          </a:ln>
-          <a:effectLst/>
-        </p:spPr>
-        <p:style>
-          <a:lnRef idx="2">
-            <a:schemeClr val="accent1">
-              <a:shade val="50000"/>
-            </a:schemeClr>
-          </a:lnRef>
-          <a:fillRef idx="1">
-            <a:schemeClr val="accent1"/>
-          </a:fillRef>
-          <a:effectRef idx="0">
-            <a:schemeClr val="accent1"/>
-          </a:effectRef>
-          <a:fontRef idx="minor">
-            <a:schemeClr val="lt1"/>
-          </a:fontRef>
-        </p:style>
-        <p:txBody>
-          <a:bodyPr rtlCol="0" anchor="ctr"/>
-          <a:lstStyle/>
-          <a:p>
-            <a:pPr algn="ctr"/>
-            <a:endParaRPr lang="en-US"/>
-          </a:p>
-        </p:txBody>
-      </p:sp>
-      <p:sp>
-        <p:nvSpPr>
-          <p:cNvPr id="53" name="Oval 52">
-            <a:extLst>
-              <a:ext uri="{FF2B5EF4-FFF2-40B4-BE49-F238E27FC236}">
-                <a16:creationId xmlns:a16="http://schemas.microsoft.com/office/drawing/2014/main" id="{88876421-001E-D033-EB83-D402AAAB2BC7}"/>
-              </a:ext>
-            </a:extLst>
-          </p:cNvPr>
-          <p:cNvSpPr/>
-          <p:nvPr/>
-        </p:nvSpPr>
-        <p:spPr>
-          <a:xfrm>
-            <a:off x="12602676" y="5102927"/>
-            <a:ext cx="520267" cy="520267"/>
-          </a:xfrm>
-          <a:prstGeom prst="ellipse">
-            <a:avLst/>
-          </a:prstGeom>
-          <a:solidFill>
-            <a:schemeClr val="accent6">
-              <a:lumMod val="75000"/>
-            </a:schemeClr>
-          </a:solidFill>
-          <a:ln>
-            <a:noFill/>
-          </a:ln>
-        </p:spPr>
-        <p:style>
-          <a:lnRef idx="2">
-            <a:schemeClr val="accent1">
-              <a:shade val="50000"/>
-            </a:schemeClr>
-          </a:lnRef>
-          <a:fillRef idx="1">
-            <a:schemeClr val="accent1"/>
-          </a:fillRef>
-          <a:effectRef idx="0">
-            <a:schemeClr val="accent1"/>
-          </a:effectRef>
-          <a:fontRef idx="minor">
-            <a:schemeClr val="lt1"/>
-          </a:fontRef>
-        </p:style>
-        <p:txBody>
-          <a:bodyPr rtlCol="0" anchor="ctr"/>
-          <a:lstStyle/>
-          <a:p>
-            <a:pPr algn="ctr"/>
-            <a:endParaRPr lang="en-US"/>
-          </a:p>
-        </p:txBody>
-      </p:sp>
-      <p:sp>
-        <p:nvSpPr>
-          <p:cNvPr id="59" name="Parallelogram 58">
-            <a:extLst>
-              <a:ext uri="{FF2B5EF4-FFF2-40B4-BE49-F238E27FC236}">
-                <a16:creationId xmlns:a16="http://schemas.microsoft.com/office/drawing/2014/main" id="{92296A46-3E49-1F2A-DFE9-F896C6996436}"/>
-              </a:ext>
-            </a:extLst>
-          </p:cNvPr>
-          <p:cNvSpPr/>
-          <p:nvPr/>
-        </p:nvSpPr>
-        <p:spPr>
-          <a:xfrm>
-            <a:off x="12838653" y="5251242"/>
-            <a:ext cx="629439" cy="544549"/>
-          </a:xfrm>
-          <a:prstGeom prst="parallelogram">
-            <a:avLst/>
-          </a:prstGeom>
-          <a:solidFill>
-            <a:schemeClr val="accent5">
-              <a:lumMod val="60000"/>
-              <a:lumOff val="40000"/>
-            </a:schemeClr>
-          </a:solidFill>
-        </p:spPr>
-        <p:style>
-          <a:lnRef idx="2">
-            <a:schemeClr val="accent1">
-              <a:shade val="50000"/>
-            </a:schemeClr>
-          </a:lnRef>
-          <a:fillRef idx="1">
-            <a:schemeClr val="accent1"/>
-          </a:fillRef>
-          <a:effectRef idx="0">
-            <a:schemeClr val="accent1"/>
-          </a:effectRef>
-          <a:fontRef idx="minor">
-            <a:schemeClr val="lt1"/>
-          </a:fontRef>
-        </p:style>
-        <p:txBody>
-          <a:bodyPr rtlCol="0" anchor="ctr"/>
-          <a:lstStyle/>
-          <a:p>
-            <a:pPr algn="ctr"/>
-            <a:endParaRPr lang="en-US"/>
-          </a:p>
-        </p:txBody>
-      </p:sp>
-      <p:sp>
-        <p:nvSpPr>
-          <p:cNvPr id="62" name="Oval 61">
-            <a:extLst>
-              <a:ext uri="{FF2B5EF4-FFF2-40B4-BE49-F238E27FC236}">
-                <a16:creationId xmlns:a16="http://schemas.microsoft.com/office/drawing/2014/main" id="{F6A0D17C-029F-F9B7-342B-88876248DFE8}"/>
-              </a:ext>
-            </a:extLst>
-          </p:cNvPr>
-          <p:cNvSpPr/>
-          <p:nvPr/>
-        </p:nvSpPr>
-        <p:spPr>
-          <a:xfrm>
-            <a:off x="15820398" y="5102927"/>
-            <a:ext cx="520267" cy="520267"/>
-          </a:xfrm>
-          <a:prstGeom prst="ellipse">
-            <a:avLst/>
-          </a:prstGeom>
-          <a:solidFill>
-            <a:schemeClr val="accent6">
-              <a:lumMod val="75000"/>
-            </a:schemeClr>
-          </a:solidFill>
-          <a:ln>
-            <a:noFill/>
-          </a:ln>
-        </p:spPr>
-        <p:style>
-          <a:lnRef idx="2">
-            <a:schemeClr val="accent1">
-              <a:shade val="50000"/>
-            </a:schemeClr>
-          </a:lnRef>
-          <a:fillRef idx="1">
-            <a:schemeClr val="accent1"/>
-          </a:fillRef>
-          <a:effectRef idx="0">
-            <a:schemeClr val="accent1"/>
-          </a:effectRef>
-          <a:fontRef idx="minor">
-            <a:schemeClr val="lt1"/>
-          </a:fontRef>
-        </p:style>
-        <p:txBody>
-          <a:bodyPr rtlCol="0" anchor="ctr"/>
-          <a:lstStyle/>
-          <a:p>
-            <a:pPr algn="ctr"/>
-            <a:endParaRPr lang="en-US"/>
-          </a:p>
-        </p:txBody>
-      </p:sp>
-      <p:sp>
-        <p:nvSpPr>
-          <p:cNvPr id="64" name="Parallelogram 63">
-            <a:extLst>
-              <a:ext uri="{FF2B5EF4-FFF2-40B4-BE49-F238E27FC236}">
-                <a16:creationId xmlns:a16="http://schemas.microsoft.com/office/drawing/2014/main" id="{65C69F12-2656-C10D-2634-244AE0D79701}"/>
-              </a:ext>
-            </a:extLst>
-          </p:cNvPr>
-          <p:cNvSpPr/>
-          <p:nvPr/>
-        </p:nvSpPr>
-        <p:spPr>
-          <a:xfrm>
-            <a:off x="16056375" y="5251242"/>
-            <a:ext cx="629439" cy="544549"/>
-          </a:xfrm>
-          <a:prstGeom prst="parallelogram">
-            <a:avLst/>
-          </a:prstGeom>
-          <a:solidFill>
-            <a:schemeClr val="accent5">
-              <a:lumMod val="60000"/>
-              <a:lumOff val="40000"/>
-            </a:schemeClr>
-          </a:solidFill>
-        </p:spPr>
-        <p:style>
-          <a:lnRef idx="2">
-            <a:schemeClr val="accent1">
-              <a:shade val="50000"/>
-            </a:schemeClr>
-          </a:lnRef>
-          <a:fillRef idx="1">
-            <a:schemeClr val="accent1"/>
-          </a:fillRef>
-          <a:effectRef idx="0">
-            <a:schemeClr val="accent1"/>
-          </a:effectRef>
-          <a:fontRef idx="minor">
-            <a:schemeClr val="lt1"/>
-          </a:fontRef>
-        </p:style>
-        <p:txBody>
-          <a:bodyPr rtlCol="0" anchor="ctr"/>
-          <a:lstStyle/>
-          <a:p>
-            <a:pPr algn="ctr"/>
-            <a:endParaRPr lang="en-US"/>
-          </a:p>
-        </p:txBody>
-      </p:sp>
-      <p:sp>
-        <p:nvSpPr>
-          <p:cNvPr id="61" name="Rectangle 60">
-            <a:extLst>
-              <a:ext uri="{FF2B5EF4-FFF2-40B4-BE49-F238E27FC236}">
-                <a16:creationId xmlns:a16="http://schemas.microsoft.com/office/drawing/2014/main" id="{C8E9FAB1-7967-D008-A947-B86C4605B8A9}"/>
-              </a:ext>
-            </a:extLst>
-          </p:cNvPr>
-          <p:cNvSpPr/>
-          <p:nvPr/>
-        </p:nvSpPr>
-        <p:spPr>
-          <a:xfrm>
-            <a:off x="15611114" y="4720290"/>
-            <a:ext cx="1838113" cy="1369164"/>
-          </a:xfrm>
-          <a:prstGeom prst="rect">
-            <a:avLst/>
-          </a:prstGeom>
-          <a:noFill/>
-          <a:ln w="19050">
-            <a:solidFill>
-              <a:schemeClr val="tx1"/>
-            </a:solidFill>
-            <a:prstDash val="solid"/>
-          </a:ln>
-          <a:effectLst/>
-        </p:spPr>
-        <p:style>
-          <a:lnRef idx="2">
-            <a:schemeClr val="accent1">
-              <a:shade val="50000"/>
-            </a:schemeClr>
-          </a:lnRef>
-          <a:fillRef idx="1">
-            <a:schemeClr val="accent1"/>
-          </a:fillRef>
-          <a:effectRef idx="0">
-            <a:schemeClr val="accent1"/>
-          </a:effectRef>
-          <a:fontRef idx="minor">
-            <a:schemeClr val="lt1"/>
-          </a:fontRef>
-        </p:style>
-        <p:txBody>
-          <a:bodyPr rtlCol="0" anchor="t" anchorCtr="0"/>
-          <a:lstStyle/>
-          <a:p>
-            <a:pPr algn="ctr"/>
-            <a:r>
-              <a:rPr lang="en-US" dirty="0">
-                <a:solidFill>
-                  <a:schemeClr val="tx1"/>
-                </a:solidFill>
-              </a:rPr>
-              <a:t>Annotation</a:t>
-            </a:r>
-          </a:p>
-        </p:txBody>
-      </p:sp>
-      <p:cxnSp>
-        <p:nvCxnSpPr>
-          <p:cNvPr id="16" name="Straight Arrow Connector 15">
-            <a:extLst>
-              <a:ext uri="{FF2B5EF4-FFF2-40B4-BE49-F238E27FC236}">
-                <a16:creationId xmlns:a16="http://schemas.microsoft.com/office/drawing/2014/main" id="{B1A0BFBB-F5E6-5AA0-53CA-7051C7B4365B}"/>
-              </a:ext>
-            </a:extLst>
-          </p:cNvPr>
-          <p:cNvCxnSpPr>
-            <a:cxnSpLocks/>
-            <a:stCxn id="103" idx="3"/>
-            <a:endCxn id="47" idx="0"/>
-          </p:cNvCxnSpPr>
-          <p:nvPr/>
-        </p:nvCxnSpPr>
-        <p:spPr>
-          <a:xfrm>
-            <a:off x="12690182" y="2594806"/>
-            <a:ext cx="622266" cy="2125484"/>
-          </a:xfrm>
-          <a:prstGeom prst="straightConnector1">
-            <a:avLst/>
-          </a:prstGeom>
-          <a:ln w="12700">
-            <a:solidFill>
-              <a:schemeClr val="tx1"/>
-            </a:solidFill>
-            <a:tailEnd type="triangle"/>
-          </a:ln>
-        </p:spPr>
-        <p:style>
-          <a:lnRef idx="1">
-            <a:schemeClr val="accent1"/>
-          </a:lnRef>
-          <a:fillRef idx="0">
-            <a:schemeClr val="accent1"/>
-          </a:fillRef>
-          <a:effectRef idx="0">
-            <a:schemeClr val="accent1"/>
-          </a:effectRef>
-          <a:fontRef idx="minor">
-            <a:schemeClr val="tx1"/>
-          </a:fontRef>
-        </p:style>
-      </p:cxnSp>
-      <p:cxnSp>
-        <p:nvCxnSpPr>
-          <p:cNvPr id="75" name="Straight Arrow Connector 74">
-            <a:extLst>
-              <a:ext uri="{FF2B5EF4-FFF2-40B4-BE49-F238E27FC236}">
-                <a16:creationId xmlns:a16="http://schemas.microsoft.com/office/drawing/2014/main" id="{11E9FE10-99A5-59AF-74F4-17CB26EA26C3}"/>
-              </a:ext>
-            </a:extLst>
-          </p:cNvPr>
-          <p:cNvCxnSpPr>
-            <a:cxnSpLocks/>
-            <a:stCxn id="104" idx="3"/>
-            <a:endCxn id="61" idx="0"/>
-          </p:cNvCxnSpPr>
-          <p:nvPr/>
-        </p:nvCxnSpPr>
-        <p:spPr>
-          <a:xfrm>
-            <a:off x="15782712" y="2589582"/>
-            <a:ext cx="747458" cy="2130708"/>
-          </a:xfrm>
-          <a:prstGeom prst="straightConnector1">
-            <a:avLst/>
-          </a:prstGeom>
-          <a:ln w="12700">
-            <a:solidFill>
-              <a:schemeClr val="tx1"/>
-            </a:solidFill>
-            <a:tailEnd type="stealth" w="lg" len="lg"/>
-          </a:ln>
-        </p:spPr>
-        <p:style>
-          <a:lnRef idx="1">
-            <a:schemeClr val="accent1"/>
-          </a:lnRef>
-          <a:fillRef idx="0">
-            <a:schemeClr val="accent1"/>
-          </a:fillRef>
-          <a:effectRef idx="0">
-            <a:schemeClr val="accent1"/>
-          </a:effectRef>
-          <a:fontRef idx="minor">
-            <a:schemeClr val="tx1"/>
-          </a:fontRef>
-        </p:style>
-      </p:cxnSp>
-      <p:sp>
-        <p:nvSpPr>
-          <p:cNvPr id="76" name="Rectangle 75">
-            <a:extLst>
-              <a:ext uri="{FF2B5EF4-FFF2-40B4-BE49-F238E27FC236}">
-                <a16:creationId xmlns:a16="http://schemas.microsoft.com/office/drawing/2014/main" id="{0EE89DD9-B991-0247-00E3-83BFFB0E6046}"/>
-              </a:ext>
-            </a:extLst>
-          </p:cNvPr>
-          <p:cNvSpPr/>
-          <p:nvPr/>
-        </p:nvSpPr>
-        <p:spPr>
-          <a:xfrm>
-            <a:off x="9013957" y="4720290"/>
-            <a:ext cx="1838113" cy="1369164"/>
-          </a:xfrm>
-          <a:prstGeom prst="rect">
-            <a:avLst/>
-          </a:prstGeom>
-          <a:noFill/>
-          <a:ln w="19050">
-            <a:solidFill>
-              <a:schemeClr val="tx1"/>
-            </a:solidFill>
-            <a:prstDash val="solid"/>
-          </a:ln>
-          <a:effectLst/>
-        </p:spPr>
-        <p:style>
-          <a:lnRef idx="2">
-            <a:schemeClr val="accent1">
-              <a:shade val="50000"/>
-            </a:schemeClr>
-          </a:lnRef>
-          <a:fillRef idx="1">
-            <a:schemeClr val="accent1"/>
-          </a:fillRef>
-          <a:effectRef idx="0">
-            <a:schemeClr val="accent1"/>
-          </a:effectRef>
-          <a:fontRef idx="minor">
-            <a:schemeClr val="lt1"/>
-          </a:fontRef>
-        </p:style>
-        <p:txBody>
-          <a:bodyPr rtlCol="0" anchor="ctr"/>
-          <a:lstStyle/>
-          <a:p>
-            <a:pPr algn="ctr"/>
-            <a:endParaRPr lang="en-US"/>
-          </a:p>
-        </p:txBody>
-      </p:sp>
-      <p:sp>
-        <p:nvSpPr>
-          <p:cNvPr id="77" name="Oval 76">
-            <a:extLst>
-              <a:ext uri="{FF2B5EF4-FFF2-40B4-BE49-F238E27FC236}">
-                <a16:creationId xmlns:a16="http://schemas.microsoft.com/office/drawing/2014/main" id="{A17A9676-480D-2599-B988-37C000E53EC3}"/>
-              </a:ext>
-            </a:extLst>
-          </p:cNvPr>
-          <p:cNvSpPr/>
-          <p:nvPr/>
-        </p:nvSpPr>
-        <p:spPr>
-          <a:xfrm>
-            <a:off x="9223241" y="5102927"/>
-            <a:ext cx="520267" cy="520267"/>
-          </a:xfrm>
-          <a:prstGeom prst="ellipse">
-            <a:avLst/>
-          </a:prstGeom>
-          <a:solidFill>
-            <a:schemeClr val="accent6">
-              <a:lumMod val="75000"/>
-            </a:schemeClr>
-          </a:solidFill>
-          <a:ln>
-            <a:noFill/>
-          </a:ln>
-        </p:spPr>
-        <p:style>
-          <a:lnRef idx="2">
-            <a:schemeClr val="accent1">
-              <a:shade val="50000"/>
-            </a:schemeClr>
-          </a:lnRef>
-          <a:fillRef idx="1">
-            <a:schemeClr val="accent1"/>
-          </a:fillRef>
-          <a:effectRef idx="0">
-            <a:schemeClr val="accent1"/>
-          </a:effectRef>
-          <a:fontRef idx="minor">
-            <a:schemeClr val="lt1"/>
-          </a:fontRef>
-        </p:style>
-        <p:txBody>
-          <a:bodyPr rtlCol="0" anchor="ctr"/>
-          <a:lstStyle/>
-          <a:p>
-            <a:pPr algn="ctr"/>
-            <a:endParaRPr lang="en-US"/>
-          </a:p>
-        </p:txBody>
-      </p:sp>
-      <p:sp>
-        <p:nvSpPr>
-          <p:cNvPr id="78" name="Rectangle 77">
-            <a:extLst>
-              <a:ext uri="{FF2B5EF4-FFF2-40B4-BE49-F238E27FC236}">
-                <a16:creationId xmlns:a16="http://schemas.microsoft.com/office/drawing/2014/main" id="{A4F1C2A6-6947-644E-0E19-8AD8B3A36E17}"/>
-              </a:ext>
-            </a:extLst>
-          </p:cNvPr>
-          <p:cNvSpPr/>
-          <p:nvPr/>
-        </p:nvSpPr>
-        <p:spPr>
-          <a:xfrm>
-            <a:off x="6676374" y="4720290"/>
-            <a:ext cx="1838113" cy="1369164"/>
-          </a:xfrm>
-          <a:prstGeom prst="rect">
-            <a:avLst/>
-          </a:prstGeom>
-          <a:noFill/>
-          <a:ln w="19050">
-            <a:solidFill>
-              <a:schemeClr val="tx1"/>
-            </a:solidFill>
-            <a:prstDash val="solid"/>
-          </a:ln>
-          <a:effectLst/>
-        </p:spPr>
-        <p:style>
-          <a:lnRef idx="2">
-            <a:schemeClr val="accent1">
-              <a:shade val="50000"/>
-            </a:schemeClr>
-          </a:lnRef>
-          <a:fillRef idx="1">
-            <a:schemeClr val="accent1"/>
-          </a:fillRef>
-          <a:effectRef idx="0">
-            <a:schemeClr val="accent1"/>
-          </a:effectRef>
-          <a:fontRef idx="minor">
-            <a:schemeClr val="lt1"/>
-          </a:fontRef>
-        </p:style>
-        <p:txBody>
-          <a:bodyPr rtlCol="0" anchor="ctr"/>
-          <a:lstStyle/>
-          <a:p>
-            <a:pPr algn="ctr"/>
-            <a:endParaRPr lang="en-US"/>
-          </a:p>
-        </p:txBody>
-      </p:sp>
-      <p:sp>
-        <p:nvSpPr>
-          <p:cNvPr id="79" name="Parallelogram 78">
-            <a:extLst>
-              <a:ext uri="{FF2B5EF4-FFF2-40B4-BE49-F238E27FC236}">
-                <a16:creationId xmlns:a16="http://schemas.microsoft.com/office/drawing/2014/main" id="{1A2DA636-8484-AD48-72A4-1B1148A6D7C0}"/>
-              </a:ext>
-            </a:extLst>
-          </p:cNvPr>
-          <p:cNvSpPr/>
-          <p:nvPr/>
-        </p:nvSpPr>
-        <p:spPr>
-          <a:xfrm>
-            <a:off x="7121635" y="5251242"/>
-            <a:ext cx="629439" cy="544549"/>
-          </a:xfrm>
-          <a:prstGeom prst="parallelogram">
-            <a:avLst/>
-          </a:prstGeom>
-          <a:solidFill>
-            <a:schemeClr val="accent5">
-              <a:lumMod val="60000"/>
-              <a:lumOff val="40000"/>
-            </a:schemeClr>
-          </a:solidFill>
-        </p:spPr>
-        <p:style>
-          <a:lnRef idx="2">
-            <a:schemeClr val="accent1">
-              <a:shade val="50000"/>
-            </a:schemeClr>
-          </a:lnRef>
-          <a:fillRef idx="1">
-            <a:schemeClr val="accent1"/>
-          </a:fillRef>
-          <a:effectRef idx="0">
-            <a:schemeClr val="accent1"/>
-          </a:effectRef>
-          <a:fontRef idx="minor">
-            <a:schemeClr val="lt1"/>
-          </a:fontRef>
-        </p:style>
-        <p:txBody>
-          <a:bodyPr rtlCol="0" anchor="ctr"/>
-          <a:lstStyle/>
-          <a:p>
-            <a:pPr algn="ctr"/>
-            <a:endParaRPr lang="en-US"/>
-          </a:p>
-        </p:txBody>
-      </p:sp>
-      <p:cxnSp>
-        <p:nvCxnSpPr>
-          <p:cNvPr id="80" name="Straight Arrow Connector 79">
-            <a:extLst>
-              <a:ext uri="{FF2B5EF4-FFF2-40B4-BE49-F238E27FC236}">
-                <a16:creationId xmlns:a16="http://schemas.microsoft.com/office/drawing/2014/main" id="{0AA67FEC-42D4-E53E-7BD0-6910C8967461}"/>
-              </a:ext>
-            </a:extLst>
-          </p:cNvPr>
-          <p:cNvCxnSpPr>
-            <a:cxnSpLocks/>
-            <a:stCxn id="101" idx="3"/>
-            <a:endCxn id="76" idx="0"/>
-          </p:cNvCxnSpPr>
-          <p:nvPr/>
-        </p:nvCxnSpPr>
-        <p:spPr>
-          <a:xfrm>
-            <a:off x="6389999" y="1356360"/>
-            <a:ext cx="3543014" cy="3363931"/>
-          </a:xfrm>
-          <a:prstGeom prst="straightConnector1">
-            <a:avLst/>
-          </a:prstGeom>
-          <a:ln w="12700">
-            <a:solidFill>
-              <a:schemeClr val="tx1"/>
-            </a:solidFill>
-            <a:tailEnd type="stealth" w="lg" len="lg"/>
-          </a:ln>
-        </p:spPr>
-        <p:style>
-          <a:lnRef idx="1">
-            <a:schemeClr val="accent1"/>
-          </a:lnRef>
-          <a:fillRef idx="0">
-            <a:schemeClr val="accent1"/>
-          </a:fillRef>
-          <a:effectRef idx="0">
-            <a:schemeClr val="accent1"/>
-          </a:effectRef>
-          <a:fontRef idx="minor">
-            <a:schemeClr val="tx1"/>
-          </a:fontRef>
-        </p:style>
-      </p:cxnSp>
-      <p:cxnSp>
-        <p:nvCxnSpPr>
-          <p:cNvPr id="81" name="Straight Arrow Connector 80">
-            <a:extLst>
-              <a:ext uri="{FF2B5EF4-FFF2-40B4-BE49-F238E27FC236}">
-                <a16:creationId xmlns:a16="http://schemas.microsoft.com/office/drawing/2014/main" id="{B13991A5-3832-853B-124C-38C2B02FD362}"/>
-              </a:ext>
-            </a:extLst>
-          </p:cNvPr>
-          <p:cNvCxnSpPr>
-            <a:cxnSpLocks/>
-            <a:stCxn id="102" idx="3"/>
-            <a:endCxn id="78" idx="0"/>
-          </p:cNvCxnSpPr>
-          <p:nvPr/>
-        </p:nvCxnSpPr>
-        <p:spPr>
-          <a:xfrm>
-            <a:off x="6384286" y="3274164"/>
-            <a:ext cx="1211145" cy="1446126"/>
-          </a:xfrm>
-          <a:prstGeom prst="straightConnector1">
-            <a:avLst/>
-          </a:prstGeom>
-          <a:ln w="12700">
-            <a:solidFill>
-              <a:schemeClr val="tx1"/>
-            </a:solidFill>
-            <a:tailEnd type="stealth" w="lg" len="lg"/>
-          </a:ln>
-        </p:spPr>
-        <p:style>
-          <a:lnRef idx="1">
-            <a:schemeClr val="accent1"/>
-          </a:lnRef>
-          <a:fillRef idx="0">
-            <a:schemeClr val="accent1"/>
-          </a:fillRef>
-          <a:effectRef idx="0">
-            <a:schemeClr val="accent1"/>
-          </a:effectRef>
-          <a:fontRef idx="minor">
-            <a:schemeClr val="tx1"/>
-          </a:fontRef>
-        </p:style>
-      </p:cxnSp>
-      <p:sp>
-        <p:nvSpPr>
-          <p:cNvPr id="102" name="Rounded Rectangle 101">
-            <a:extLst>
-              <a:ext uri="{FF2B5EF4-FFF2-40B4-BE49-F238E27FC236}">
-                <a16:creationId xmlns:a16="http://schemas.microsoft.com/office/drawing/2014/main" id="{92E2B3B1-BC32-5FFD-538B-CEF3BF08C7C7}"/>
-              </a:ext>
-            </a:extLst>
-          </p:cNvPr>
-          <p:cNvSpPr/>
-          <p:nvPr/>
-        </p:nvSpPr>
-        <p:spPr>
-          <a:xfrm>
-            <a:off x="4546173" y="2589582"/>
-            <a:ext cx="1838113" cy="1369164"/>
-          </a:xfrm>
-          <a:prstGeom prst="roundRect">
-            <a:avLst>
-              <a:gd name="adj" fmla="val 8924"/>
-            </a:avLst>
           </a:prstGeom>
           <a:solidFill>
             <a:schemeClr val="bg1">
@@ -4565,23 +3723,16 @@
           <a:lstStyle/>
           <a:p>
             <a:pPr algn="ctr"/>
-            <a:r>
-              <a:rPr lang="en-US" dirty="0">
-                <a:solidFill>
-                  <a:schemeClr val="tx1"/>
-                </a:solidFill>
-              </a:rPr>
-              <a:t>Image Render</a:t>
-            </a:r>
-          </a:p>
-        </p:txBody>
-      </p:sp>
-      <p:sp>
-        <p:nvSpPr>
-          <p:cNvPr id="104" name="Rounded Rectangle 103">
-            <a:extLst>
-              <a:ext uri="{FF2B5EF4-FFF2-40B4-BE49-F238E27FC236}">
-                <a16:creationId xmlns:a16="http://schemas.microsoft.com/office/drawing/2014/main" id="{6306E8EB-0649-98A3-C19D-FDA9D11D610A}"/>
+            <a:endParaRPr lang="en-US"/>
+          </a:p>
+        </p:txBody>
+      </p:sp>
+      <p:sp>
+        <p:nvSpPr>
+          <p:cNvPr id="9" name="Rectangle 8">
+            <a:extLst>
+              <a:ext uri="{FF2B5EF4-FFF2-40B4-BE49-F238E27FC236}">
+                <a16:creationId xmlns:a16="http://schemas.microsoft.com/office/drawing/2014/main" id="{28D16CCC-4971-E820-BB59-03D27BAD26A3}"/>
               </a:ext>
             </a:extLst>
           </p:cNvPr>
@@ -4590,13 +3741,11 @@
         </p:nvSpPr>
         <p:spPr>
           <a:xfrm>
-            <a:off x="13944600" y="1905000"/>
-            <a:ext cx="1838113" cy="1369164"/>
+            <a:off x="821480" y="3276600"/>
+            <a:ext cx="1173892" cy="1050324"/>
           </a:xfrm>
-          <a:prstGeom prst="roundRect">
-            <a:avLst>
-              <a:gd name="adj" fmla="val 8924"/>
-            </a:avLst>
+          <a:prstGeom prst="rect">
+            <a:avLst/>
           </a:prstGeom>
           <a:solidFill>
             <a:schemeClr val="bg1">
@@ -4630,196 +3779,40 @@
           <a:lstStyle/>
           <a:p>
             <a:pPr algn="ctr"/>
-            <a:r>
-              <a:rPr lang="en-US" dirty="0">
-                <a:solidFill>
-                  <a:schemeClr val="tx1"/>
-                </a:solidFill>
-              </a:rPr>
-              <a:t>Annotation</a:t>
-            </a:r>
-          </a:p>
-        </p:txBody>
-      </p:sp>
-      <p:sp>
-        <p:nvSpPr>
-          <p:cNvPr id="117" name="TextBox 116">
-            <a:extLst>
-              <a:ext uri="{FF2B5EF4-FFF2-40B4-BE49-F238E27FC236}">
-                <a16:creationId xmlns:a16="http://schemas.microsoft.com/office/drawing/2014/main" id="{EB5A1280-C2EC-62D8-B891-548F78AEAFC5}"/>
-              </a:ext>
-            </a:extLst>
-          </p:cNvPr>
-          <p:cNvSpPr txBox="1"/>
+            <a:endParaRPr lang="en-US"/>
+          </a:p>
+        </p:txBody>
+      </p:sp>
+      <p:sp>
+        <p:nvSpPr>
+          <p:cNvPr id="10" name="Rectangle 9">
+            <a:extLst>
+              <a:ext uri="{FF2B5EF4-FFF2-40B4-BE49-F238E27FC236}">
+                <a16:creationId xmlns:a16="http://schemas.microsoft.com/office/drawing/2014/main" id="{14EDC7F1-ADE7-6056-DABD-6EFA6028EFC4}"/>
+              </a:ext>
+            </a:extLst>
+          </p:cNvPr>
+          <p:cNvSpPr/>
           <p:nvPr/>
         </p:nvSpPr>
         <p:spPr>
           <a:xfrm>
-            <a:off x="6676374" y="6089454"/>
-            <a:ext cx="1838113" cy="369332"/>
+            <a:off x="973880" y="3429000"/>
+            <a:ext cx="1173892" cy="1050324"/>
           </a:xfrm>
           <a:prstGeom prst="rect">
             <a:avLst/>
           </a:prstGeom>
-          <a:noFill/>
-        </p:spPr>
-        <p:txBody>
-          <a:bodyPr wrap="square" rtlCol="0">
-            <a:spAutoFit/>
-          </a:bodyPr>
-          <a:lstStyle/>
-          <a:p>
-            <a:pPr algn="ctr"/>
-            <a:r>
-              <a:rPr lang="en-US" dirty="0"/>
-              <a:t>output</a:t>
-            </a:r>
-          </a:p>
-        </p:txBody>
-      </p:sp>
-      <p:sp>
-        <p:nvSpPr>
-          <p:cNvPr id="119" name="TextBox 118">
-            <a:extLst>
-              <a:ext uri="{FF2B5EF4-FFF2-40B4-BE49-F238E27FC236}">
-                <a16:creationId xmlns:a16="http://schemas.microsoft.com/office/drawing/2014/main" id="{A651FDE6-816F-42A9-872E-18B170394E28}"/>
-              </a:ext>
-            </a:extLst>
-          </p:cNvPr>
-          <p:cNvSpPr txBox="1"/>
-          <p:nvPr/>
-        </p:nvSpPr>
-        <p:spPr>
-          <a:xfrm>
-            <a:off x="9013957" y="6089454"/>
-            <a:ext cx="1851535" cy="369332"/>
-          </a:xfrm>
-          <a:prstGeom prst="rect">
-            <a:avLst/>
-          </a:prstGeom>
-          <a:noFill/>
-        </p:spPr>
-        <p:txBody>
-          <a:bodyPr wrap="square" rtlCol="0">
-            <a:spAutoFit/>
-          </a:bodyPr>
-          <a:lstStyle/>
-          <a:p>
-            <a:pPr algn="ctr"/>
-            <a:r>
-              <a:rPr lang="en-US" dirty="0"/>
-              <a:t>output</a:t>
-            </a:r>
-          </a:p>
-        </p:txBody>
-      </p:sp>
-      <p:sp>
-        <p:nvSpPr>
-          <p:cNvPr id="120" name="TextBox 119">
-            <a:extLst>
-              <a:ext uri="{FF2B5EF4-FFF2-40B4-BE49-F238E27FC236}">
-                <a16:creationId xmlns:a16="http://schemas.microsoft.com/office/drawing/2014/main" id="{00400FDF-0401-65BA-C1F7-D4C981B09BF7}"/>
-              </a:ext>
-            </a:extLst>
-          </p:cNvPr>
-          <p:cNvSpPr txBox="1"/>
-          <p:nvPr/>
-        </p:nvSpPr>
-        <p:spPr>
-          <a:xfrm>
-            <a:off x="12393392" y="6102758"/>
-            <a:ext cx="1838113" cy="369332"/>
-          </a:xfrm>
-          <a:prstGeom prst="rect">
-            <a:avLst/>
-          </a:prstGeom>
-          <a:noFill/>
-        </p:spPr>
-        <p:txBody>
-          <a:bodyPr wrap="square" rtlCol="0">
-            <a:spAutoFit/>
-          </a:bodyPr>
-          <a:lstStyle/>
-          <a:p>
-            <a:pPr algn="ctr"/>
-            <a:r>
-              <a:rPr lang="en-US" dirty="0"/>
-              <a:t>output</a:t>
-            </a:r>
-          </a:p>
-        </p:txBody>
-      </p:sp>
-      <p:sp>
-        <p:nvSpPr>
-          <p:cNvPr id="121" name="TextBox 120">
-            <a:extLst>
-              <a:ext uri="{FF2B5EF4-FFF2-40B4-BE49-F238E27FC236}">
-                <a16:creationId xmlns:a16="http://schemas.microsoft.com/office/drawing/2014/main" id="{5D389D1B-9406-EB00-6C54-A949F31CFE89}"/>
-              </a:ext>
-            </a:extLst>
-          </p:cNvPr>
-          <p:cNvSpPr txBox="1"/>
-          <p:nvPr/>
-        </p:nvSpPr>
-        <p:spPr>
-          <a:xfrm>
-            <a:off x="15611113" y="6102758"/>
-            <a:ext cx="1838113" cy="369332"/>
-          </a:xfrm>
-          <a:prstGeom prst="rect">
-            <a:avLst/>
-          </a:prstGeom>
-          <a:noFill/>
-        </p:spPr>
-        <p:txBody>
-          <a:bodyPr wrap="square" rtlCol="0">
-            <a:spAutoFit/>
-          </a:bodyPr>
-          <a:lstStyle/>
-          <a:p>
-            <a:pPr algn="ctr"/>
-            <a:r>
-              <a:rPr lang="en-US" dirty="0"/>
-              <a:t>output</a:t>
-            </a:r>
-          </a:p>
-        </p:txBody>
-      </p:sp>
-      <p:sp>
-        <p:nvSpPr>
-          <p:cNvPr id="2" name="Oval 1">
-            <a:extLst>
-              <a:ext uri="{FF2B5EF4-FFF2-40B4-BE49-F238E27FC236}">
-                <a16:creationId xmlns:a16="http://schemas.microsoft.com/office/drawing/2014/main" id="{54D268D4-56B8-5873-404A-1C3F8C45430D}"/>
-              </a:ext>
-            </a:extLst>
-          </p:cNvPr>
-          <p:cNvSpPr/>
-          <p:nvPr/>
-        </p:nvSpPr>
-        <p:spPr>
-          <a:xfrm>
-            <a:off x="4353069" y="482242"/>
-            <a:ext cx="386208" cy="386208"/>
-          </a:xfrm>
-          <a:prstGeom prst="ellipse">
-            <a:avLst/>
-          </a:prstGeom>
           <a:solidFill>
-            <a:schemeClr val="bg1"/>
+            <a:schemeClr val="bg1">
+              <a:lumMod val="75000"/>
+            </a:schemeClr>
           </a:solidFill>
-          <a:ln w="19050">
+          <a:ln>
             <a:solidFill>
               <a:schemeClr val="tx1"/>
             </a:solidFill>
           </a:ln>
-          <a:effectLst>
-            <a:outerShdw blurRad="50800" dist="38100" dir="2700000" algn="tl" rotWithShape="0">
-              <a:prstClr val="black">
-                <a:alpha val="40000"/>
-              </a:prstClr>
-            </a:outerShdw>
-          </a:effectLst>
         </p:spPr>
         <p:style>
           <a:lnRef idx="2">
@@ -4843,22 +3836,25 @@
           <a:p>
             <a:pPr algn="ctr"/>
             <a:r>
-              <a:rPr lang="en-US" dirty="0">
-                <a:solidFill>
-                  <a:schemeClr val="tx1"/>
-                </a:solidFill>
-              </a:rPr>
-              <a:t>1</a:t>
-            </a:r>
-          </a:p>
-        </p:txBody>
-      </p:sp>
-      <p:sp>
-        <p:nvSpPr>
-          <p:cNvPr id="40" name="Oval 39">
-            <a:extLst>
-              <a:ext uri="{FF2B5EF4-FFF2-40B4-BE49-F238E27FC236}">
-                <a16:creationId xmlns:a16="http://schemas.microsoft.com/office/drawing/2014/main" id="{A487D621-F105-B891-B823-D56D7344982D}"/>
+              <a:rPr lang="en-US" dirty="0"/>
+              <a:t>Cinema</a:t>
+            </a:r>
+          </a:p>
+          <a:p>
+            <a:pPr algn="ctr"/>
+            <a:r>
+              <a:rPr lang="en-US" dirty="0"/>
+              <a:t>Database</a:t>
+            </a:r>
+          </a:p>
+        </p:txBody>
+      </p:sp>
+      <p:sp>
+        <p:nvSpPr>
+          <p:cNvPr id="11" name="Rectangle 10">
+            <a:extLst>
+              <a:ext uri="{FF2B5EF4-FFF2-40B4-BE49-F238E27FC236}">
+                <a16:creationId xmlns:a16="http://schemas.microsoft.com/office/drawing/2014/main" id="{394C2243-349E-8C08-84D3-BEDBB0FF16AC}"/>
               </a:ext>
             </a:extLst>
           </p:cNvPr>
@@ -4867,27 +3863,12 @@
         </p:nvSpPr>
         <p:spPr>
           <a:xfrm>
-            <a:off x="4372773" y="2404829"/>
-            <a:ext cx="386208" cy="386208"/>
+            <a:off x="2483530" y="3133466"/>
+            <a:ext cx="1567900" cy="971379"/>
           </a:xfrm>
-          <a:prstGeom prst="ellipse">
+          <a:prstGeom prst="rect">
             <a:avLst/>
           </a:prstGeom>
-          <a:solidFill>
-            <a:schemeClr val="bg1"/>
-          </a:solidFill>
-          <a:ln w="19050">
-            <a:solidFill>
-              <a:schemeClr val="tx1"/>
-            </a:solidFill>
-          </a:ln>
-          <a:effectLst>
-            <a:outerShdw blurRad="50800" dist="38100" dir="2700000" algn="tl" rotWithShape="0">
-              <a:prstClr val="black">
-                <a:alpha val="40000"/>
-              </a:prstClr>
-            </a:outerShdw>
-          </a:effectLst>
         </p:spPr>
         <p:style>
           <a:lnRef idx="2">
@@ -4911,23 +3892,25 @@
           <a:p>
             <a:pPr algn="ctr"/>
             <a:r>
-              <a:rPr lang="en-US" dirty="0">
-                <a:solidFill>
-                  <a:schemeClr val="tx1"/>
-                </a:solidFill>
-              </a:rPr>
-              <a:t>2</a:t>
-            </a:r>
-            <a:endParaRPr lang="en-US" dirty="0"/>
-          </a:p>
-        </p:txBody>
-      </p:sp>
-      <p:sp>
-        <p:nvSpPr>
-          <p:cNvPr id="41" name="Oval 40">
-            <a:extLst>
-              <a:ext uri="{FF2B5EF4-FFF2-40B4-BE49-F238E27FC236}">
-                <a16:creationId xmlns:a16="http://schemas.microsoft.com/office/drawing/2014/main" id="{36B3EB41-82B2-F53F-43B2-265127B85315}"/>
+              <a:rPr lang="en-US" dirty="0"/>
+              <a:t>Cinema</a:t>
+            </a:r>
+          </a:p>
+          <a:p>
+            <a:pPr algn="ctr"/>
+            <a:r>
+              <a:rPr lang="en-US" dirty="0"/>
+              <a:t>Database Reader</a:t>
+            </a:r>
+          </a:p>
+        </p:txBody>
+      </p:sp>
+      <p:sp>
+        <p:nvSpPr>
+          <p:cNvPr id="12" name="Rectangle 11">
+            <a:extLst>
+              <a:ext uri="{FF2B5EF4-FFF2-40B4-BE49-F238E27FC236}">
+                <a16:creationId xmlns:a16="http://schemas.microsoft.com/office/drawing/2014/main" id="{8141C490-0FEF-159E-FFDA-284B54BC40BA}"/>
               </a:ext>
             </a:extLst>
           </p:cNvPr>
@@ -4936,27 +3919,12 @@
         </p:nvSpPr>
         <p:spPr>
           <a:xfrm>
-            <a:off x="10659907" y="1711896"/>
-            <a:ext cx="386208" cy="386208"/>
+            <a:off x="4443366" y="3133466"/>
+            <a:ext cx="1567900" cy="971379"/>
           </a:xfrm>
-          <a:prstGeom prst="ellipse">
+          <a:prstGeom prst="rect">
             <a:avLst/>
           </a:prstGeom>
-          <a:solidFill>
-            <a:schemeClr val="bg1"/>
-          </a:solidFill>
-          <a:ln w="19050">
-            <a:solidFill>
-              <a:schemeClr val="tx1"/>
-            </a:solidFill>
-          </a:ln>
-          <a:effectLst>
-            <a:outerShdw blurRad="50800" dist="38100" dir="2700000" algn="tl" rotWithShape="0">
-              <a:prstClr val="black">
-                <a:alpha val="40000"/>
-              </a:prstClr>
-            </a:outerShdw>
-          </a:effectLst>
         </p:spPr>
         <p:style>
           <a:lnRef idx="2">
@@ -4980,23 +3948,25 @@
           <a:p>
             <a:pPr algn="ctr"/>
             <a:r>
-              <a:rPr lang="en-US" dirty="0">
-                <a:solidFill>
-                  <a:schemeClr val="tx1"/>
-                </a:solidFill>
-              </a:rPr>
-              <a:t>3</a:t>
-            </a:r>
-            <a:endParaRPr lang="en-US" dirty="0"/>
-          </a:p>
-        </p:txBody>
-      </p:sp>
-      <p:sp>
-        <p:nvSpPr>
-          <p:cNvPr id="42" name="Oval 41">
-            <a:extLst>
-              <a:ext uri="{FF2B5EF4-FFF2-40B4-BE49-F238E27FC236}">
-                <a16:creationId xmlns:a16="http://schemas.microsoft.com/office/drawing/2014/main" id="{B915696A-C22C-B814-58C0-BE2ADFF82084}"/>
+              <a:rPr lang="en-US" dirty="0"/>
+              <a:t>Image</a:t>
+            </a:r>
+          </a:p>
+          <a:p>
+            <a:pPr algn="ctr"/>
+            <a:r>
+              <a:rPr lang="en-US" dirty="0"/>
+              <a:t>Renderer</a:t>
+            </a:r>
+          </a:p>
+        </p:txBody>
+      </p:sp>
+      <p:sp>
+        <p:nvSpPr>
+          <p:cNvPr id="13" name="Rectangle 12">
+            <a:extLst>
+              <a:ext uri="{FF2B5EF4-FFF2-40B4-BE49-F238E27FC236}">
+                <a16:creationId xmlns:a16="http://schemas.microsoft.com/office/drawing/2014/main" id="{0BF3A620-A06F-16FF-962E-FBB57C3CFF40}"/>
               </a:ext>
             </a:extLst>
           </p:cNvPr>
@@ -5005,27 +3975,12 @@
         </p:nvSpPr>
         <p:spPr>
           <a:xfrm>
-            <a:off x="13760558" y="1723218"/>
-            <a:ext cx="386208" cy="386208"/>
+            <a:off x="6403202" y="3133467"/>
+            <a:ext cx="1567900" cy="971379"/>
           </a:xfrm>
-          <a:prstGeom prst="ellipse">
+          <a:prstGeom prst="rect">
             <a:avLst/>
           </a:prstGeom>
-          <a:solidFill>
-            <a:schemeClr val="bg1"/>
-          </a:solidFill>
-          <a:ln w="19050">
-            <a:solidFill>
-              <a:schemeClr val="tx1"/>
-            </a:solidFill>
-          </a:ln>
-          <a:effectLst>
-            <a:outerShdw blurRad="50800" dist="38100" dir="2700000" algn="tl" rotWithShape="0">
-              <a:prstClr val="black">
-                <a:alpha val="40000"/>
-              </a:prstClr>
-            </a:outerShdw>
-          </a:effectLst>
         </p:spPr>
         <p:style>
           <a:lnRef idx="2">
@@ -5049,90 +4004,16 @@
           <a:p>
             <a:pPr algn="ctr"/>
             <a:r>
-              <a:rPr lang="en-US" dirty="0">
-                <a:solidFill>
-                  <a:schemeClr val="tx1"/>
-                </a:solidFill>
-              </a:rPr>
-              <a:t>4</a:t>
-            </a:r>
-            <a:endParaRPr lang="en-US" dirty="0"/>
-          </a:p>
-        </p:txBody>
-      </p:sp>
-      <p:sp>
-        <p:nvSpPr>
-          <p:cNvPr id="44" name="Oval 43">
-            <a:extLst>
-              <a:ext uri="{FF2B5EF4-FFF2-40B4-BE49-F238E27FC236}">
-                <a16:creationId xmlns:a16="http://schemas.microsoft.com/office/drawing/2014/main" id="{C13AE9B9-B317-7D0A-E076-4548FA81237F}"/>
-              </a:ext>
-            </a:extLst>
-          </p:cNvPr>
-          <p:cNvSpPr/>
-          <p:nvPr/>
-        </p:nvSpPr>
-        <p:spPr>
-          <a:xfrm>
-            <a:off x="15418009" y="4525401"/>
-            <a:ext cx="386208" cy="386208"/>
-          </a:xfrm>
-          <a:prstGeom prst="ellipse">
-            <a:avLst/>
-          </a:prstGeom>
-          <a:solidFill>
-            <a:schemeClr val="bg1"/>
-          </a:solidFill>
-          <a:ln w="19050">
-            <a:solidFill>
-              <a:schemeClr val="tx1"/>
-            </a:solidFill>
-          </a:ln>
-          <a:effectLst>
-            <a:outerShdw blurRad="50800" dist="38100" dir="2700000" algn="tl" rotWithShape="0">
-              <a:prstClr val="black">
-                <a:alpha val="40000"/>
-              </a:prstClr>
-            </a:outerShdw>
-          </a:effectLst>
-        </p:spPr>
-        <p:style>
-          <a:lnRef idx="2">
-            <a:schemeClr val="accent1">
-              <a:shade val="50000"/>
-            </a:schemeClr>
-          </a:lnRef>
-          <a:fillRef idx="1">
-            <a:schemeClr val="accent1"/>
-          </a:fillRef>
-          <a:effectRef idx="0">
-            <a:schemeClr val="accent1"/>
-          </a:effectRef>
-          <a:fontRef idx="minor">
-            <a:schemeClr val="lt1"/>
-          </a:fontRef>
-        </p:style>
-        <p:txBody>
-          <a:bodyPr rtlCol="0" anchor="ctr"/>
-          <a:lstStyle/>
-          <a:p>
-            <a:pPr algn="ctr"/>
-            <a:r>
-              <a:rPr lang="en-US" dirty="0">
-                <a:solidFill>
-                  <a:schemeClr val="tx1"/>
-                </a:solidFill>
-              </a:rPr>
-              <a:t>5</a:t>
-            </a:r>
-            <a:endParaRPr lang="en-US" dirty="0"/>
+              <a:rPr lang="en-US" dirty="0"/>
+              <a:t>Database Viewer</a:t>
+            </a:r>
           </a:p>
         </p:txBody>
       </p:sp>
     </p:spTree>
     <p:extLst>
       <p:ext uri="{BB962C8B-B14F-4D97-AF65-F5344CB8AC3E}">
-        <p14:creationId xmlns:p14="http://schemas.microsoft.com/office/powerpoint/2010/main" val="4117028194"/>
+        <p14:creationId xmlns:p14="http://schemas.microsoft.com/office/powerpoint/2010/main" val="1568557386"/>
       </p:ext>
     </p:extLst>
   </p:cSld>
@@ -5145,7 +4026,7 @@
 <file path=ppt/theme/theme1.xml><?xml version="1.0" encoding="utf-8"?>
 <a:theme xmlns:a="http://schemas.openxmlformats.org/drawingml/2006/main" name="Office Theme">
   <a:themeElements>
-    <a:clrScheme name="Office Theme">
+    <a:clrScheme name="Office">
       <a:dk1>
         <a:sysClr val="windowText" lastClr="000000"/>
       </a:dk1>
@@ -5183,7 +4064,7 @@
         <a:srgbClr val="954F72"/>
       </a:folHlink>
     </a:clrScheme>
-    <a:fontScheme name="Office Theme">
+    <a:fontScheme name="Office">
       <a:majorFont>
         <a:latin typeface="Calibri Light" panose="020F0302020204030204"/>
         <a:ea typeface=""/>
@@ -5218,6 +4099,23 @@
         <a:font script="Viet" typeface="Times New Roman"/>
         <a:font script="Uigh" typeface="Microsoft Uighur"/>
         <a:font script="Geor" typeface="Sylfaen"/>
+        <a:font script="Armn" typeface="Arial"/>
+        <a:font script="Bugi" typeface="Leelawadee UI"/>
+        <a:font script="Bopo" typeface="Microsoft JhengHei"/>
+        <a:font script="Java" typeface="Javanese Text"/>
+        <a:font script="Lisu" typeface="Segoe UI"/>
+        <a:font script="Mymr" typeface="Myanmar Text"/>
+        <a:font script="Nkoo" typeface="Ebrima"/>
+        <a:font script="Olck" typeface="Nirmala UI"/>
+        <a:font script="Osma" typeface="Ebrima"/>
+        <a:font script="Phag" typeface="Phagspa"/>
+        <a:font script="Syrn" typeface="Estrangelo Edessa"/>
+        <a:font script="Syrj" typeface="Estrangelo Edessa"/>
+        <a:font script="Syre" typeface="Estrangelo Edessa"/>
+        <a:font script="Sora" typeface="Nirmala UI"/>
+        <a:font script="Tale" typeface="Microsoft Tai Le"/>
+        <a:font script="Talu" typeface="Microsoft New Tai Lue"/>
+        <a:font script="Tfng" typeface="Ebrima"/>
       </a:majorFont>
       <a:minorFont>
         <a:latin typeface="Calibri" panose="020F0502020204030204"/>
@@ -5253,9 +4151,26 @@
         <a:font script="Viet" typeface="Arial"/>
         <a:font script="Uigh" typeface="Microsoft Uighur"/>
         <a:font script="Geor" typeface="Sylfaen"/>
+        <a:font script="Armn" typeface="Arial"/>
+        <a:font script="Bugi" typeface="Leelawadee UI"/>
+        <a:font script="Bopo" typeface="Microsoft JhengHei"/>
+        <a:font script="Java" typeface="Javanese Text"/>
+        <a:font script="Lisu" typeface="Segoe UI"/>
+        <a:font script="Mymr" typeface="Myanmar Text"/>
+        <a:font script="Nkoo" typeface="Ebrima"/>
+        <a:font script="Olck" typeface="Nirmala UI"/>
+        <a:font script="Osma" typeface="Ebrima"/>
+        <a:font script="Phag" typeface="Phagspa"/>
+        <a:font script="Syrn" typeface="Estrangelo Edessa"/>
+        <a:font script="Syrj" typeface="Estrangelo Edessa"/>
+        <a:font script="Syre" typeface="Estrangelo Edessa"/>
+        <a:font script="Sora" typeface="Nirmala UI"/>
+        <a:font script="Tale" typeface="Microsoft Tai Le"/>
+        <a:font script="Talu" typeface="Microsoft New Tai Lue"/>
+        <a:font script="Tfng" typeface="Ebrima"/>
       </a:minorFont>
     </a:fontScheme>
-    <a:fmtScheme name="Office Theme">
+    <a:fmtScheme name="Office">
       <a:fillStyleLst>
         <a:solidFill>
           <a:schemeClr val="phClr"/>
